--- a/pscopf.pptx
+++ b/pscopf.pptx
@@ -5,10 +5,10 @@
     <p:sldMasterId id="2147483648" r:id="rId1"/>
   </p:sldMasterIdLst>
   <p:notesMasterIdLst>
-    <p:notesMasterId r:id="rId12"/>
+    <p:notesMasterId r:id="rId13"/>
   </p:notesMasterIdLst>
   <p:handoutMasterIdLst>
-    <p:handoutMasterId r:id="rId13"/>
+    <p:handoutMasterId r:id="rId14"/>
   </p:handoutMasterIdLst>
   <p:sldIdLst>
     <p:sldId id="257" r:id="rId2"/>
@@ -21,6 +21,7 @@
     <p:sldId id="264" r:id="rId9"/>
     <p:sldId id="266" r:id="rId10"/>
     <p:sldId id="267" r:id="rId11"/>
+    <p:sldId id="268" r:id="rId12"/>
   </p:sldIdLst>
   <p:sldSz cx="9144000" cy="5143500" type="screen16x9"/>
   <p:notesSz cx="6797675" cy="9926638"/>
@@ -220,7 +221,7 @@
           <a:p>
             <a:fld id="{760854E3-1497-0744-B040-5DF6365302EA}" type="datetimeFigureOut">
               <a:rPr lang="fr-FR" smtClean="0"/>
-              <a:t>01/12/2021</a:t>
+              <a:t>09/12/2021</a:t>
             </a:fld>
             <a:endParaRPr lang="fr-FR"/>
           </a:p>
@@ -386,7 +387,7 @@
           <a:p>
             <a:fld id="{A1E22894-B65C-E342-8D31-57D034836A37}" type="datetimeFigureOut">
               <a:rPr lang="fr-FR" smtClean="0"/>
-              <a:t>01/12/2021</a:t>
+              <a:t>09/12/2021</a:t>
             </a:fld>
             <a:endParaRPr lang="fr-FR"/>
           </a:p>
@@ -3980,6 +3981,1175 @@
 </p:sld>
 </file>
 
+<file path=ppt/slides/slide11.xml><?xml version="1.0" encoding="utf-8"?>
+<p:sld xmlns:a="http://schemas.openxmlformats.org/drawingml/2006/main" xmlns:r="http://schemas.openxmlformats.org/officeDocument/2006/relationships" xmlns:p="http://schemas.openxmlformats.org/presentationml/2006/main">
+  <p:cSld>
+    <p:spTree>
+      <p:nvGrpSpPr>
+        <p:cNvPr id="1" name=""/>
+        <p:cNvGrpSpPr/>
+        <p:nvPr/>
+      </p:nvGrpSpPr>
+      <p:grpSpPr>
+        <a:xfrm>
+          <a:off x="0" y="0"/>
+          <a:ext cx="0" cy="0"/>
+          <a:chOff x="0" y="0"/>
+          <a:chExt cx="0" cy="0"/>
+        </a:xfrm>
+      </p:grpSpPr>
+      <mc:AlternateContent xmlns:mc="http://schemas.openxmlformats.org/markup-compatibility/2006">
+        <mc:Choice xmlns:a14="http://schemas.microsoft.com/office/drawing/2010/main" Requires="a14">
+          <p:sp>
+            <p:nvSpPr>
+              <p:cNvPr id="2" name="Espace réservé du contenu 1"/>
+              <p:cNvSpPr>
+                <a:spLocks noGrp="1"/>
+              </p:cNvSpPr>
+              <p:nvPr>
+                <p:ph idx="1"/>
+              </p:nvPr>
+            </p:nvSpPr>
+            <p:spPr>
+              <a:xfrm>
+                <a:off x="594612" y="987760"/>
+                <a:ext cx="8092188" cy="3467508"/>
+              </a:xfrm>
+            </p:spPr>
+            <p:txBody>
+              <a:bodyPr>
+                <a:normAutofit fontScale="77500" lnSpcReduction="20000"/>
+              </a:bodyPr>
+              <a:lstStyle/>
+              <a:p>
+                <a:pPr lvl="1"/>
+                <a14:m>
+                  <m:oMathPara xmlns:m="http://schemas.openxmlformats.org/officeDocument/2006/math">
+                    <m:oMathParaPr>
+                      <m:jc m:val="centerGroup"/>
+                    </m:oMathParaPr>
+                    <m:oMath xmlns:m="http://schemas.openxmlformats.org/officeDocument/2006/math">
+                      <m:d>
+                        <m:dPr>
+                          <m:begChr m:val="{"/>
+                          <m:endChr m:val="}"/>
+                          <m:ctrlPr>
+                            <a:rPr lang="fr-FR" b="0" i="1" smtClean="0">
+                              <a:latin typeface="Cambria Math" panose="02040503050406030204" pitchFamily="18" charset="0"/>
+                            </a:rPr>
+                          </m:ctrlPr>
+                        </m:dPr>
+                        <m:e>
+                          <m:m>
+                            <m:mPr>
+                              <m:mcs>
+                                <m:mc>
+                                  <m:mcPr>
+                                    <m:count m:val="3"/>
+                                    <m:mcJc m:val="center"/>
+                                  </m:mcPr>
+                                </m:mc>
+                              </m:mcs>
+                              <m:ctrlPr>
+                                <a:rPr lang="fr-FR" i="1">
+                                  <a:latin typeface="Cambria Math" panose="02040503050406030204" pitchFamily="18" charset="0"/>
+                                </a:rPr>
+                              </m:ctrlPr>
+                            </m:mPr>
+                            <m:mr>
+                              <m:e>
+                                <m:r>
+                                  <m:rPr>
+                                    <m:brk m:alnAt="7"/>
+                                  </m:rPr>
+                                  <a:rPr lang="fr-FR" i="1">
+                                    <a:latin typeface="Cambria Math" panose="02040503050406030204" pitchFamily="18" charset="0"/>
+                                  </a:rPr>
+                                  <m:t>𝑚</m:t>
+                                </m:r>
+                                <m:r>
+                                  <a:rPr lang="fr-FR" i="1">
+                                    <a:latin typeface="Cambria Math" panose="02040503050406030204" pitchFamily="18" charset="0"/>
+                                  </a:rPr>
+                                  <m:t>𝑎𝑥</m:t>
+                                </m:r>
+                              </m:e>
+                              <m:e>
+                                <m:r>
+                                  <a:rPr lang="fr-FR" i="1">
+                                    <a:latin typeface="Cambria Math" panose="02040503050406030204" pitchFamily="18" charset="0"/>
+                                  </a:rPr>
+                                  <m:t>𝜌</m:t>
+                                </m:r>
+                              </m:e>
+                              <m:e/>
+                            </m:mr>
+                            <m:mr>
+                              <m:e/>
+                              <m:e>
+                                <m:r>
+                                  <a:rPr lang="fr-FR" i="1">
+                                    <a:latin typeface="Cambria Math" panose="02040503050406030204" pitchFamily="18" charset="0"/>
+                                  </a:rPr>
+                                  <m:t>𝑢</m:t>
+                                </m:r>
+                                <m:r>
+                                  <a:rPr lang="fr-FR" i="1">
+                                    <a:latin typeface="Cambria Math" panose="02040503050406030204" pitchFamily="18" charset="0"/>
+                                  </a:rPr>
+                                  <m:t>∈</m:t>
+                                </m:r>
+                                <m:r>
+                                  <a:rPr lang="fr-FR" i="1">
+                                    <a:latin typeface="Cambria Math" panose="02040503050406030204" pitchFamily="18" charset="0"/>
+                                  </a:rPr>
+                                  <m:t>𝑈𝑛𝑐𝑒𝑟𝑡𝑎𝑖𝑛𝑡𝑖𝑒𝑠</m:t>
+                                </m:r>
+                              </m:e>
+                              <m:e/>
+                            </m:mr>
+                            <m:mr>
+                              <m:e/>
+                              <m:e>
+                                <m:r>
+                                  <a:rPr lang="fr-FR" b="0" i="1" smtClean="0">
+                                    <a:latin typeface="Cambria Math" panose="02040503050406030204" pitchFamily="18" charset="0"/>
+                                  </a:rPr>
+                                  <m:t>𝑝𝑟𝑜𝑑</m:t>
+                                </m:r>
+                                <m:r>
+                                  <a:rPr lang="fr-FR" i="1">
+                                    <a:latin typeface="Cambria Math" panose="02040503050406030204" pitchFamily="18" charset="0"/>
+                                  </a:rPr>
+                                  <m:t>∈</m:t>
+                                </m:r>
+                                <m:r>
+                                  <a:rPr lang="fr-FR" i="1">
+                                    <a:latin typeface="Cambria Math" panose="02040503050406030204" pitchFamily="18" charset="0"/>
+                                  </a:rPr>
+                                  <m:t>𝐸𝑚𝑝𝑖𝑙𝑒𝑚𝑒𝑛𝑡𝐸𝑐𝑜</m:t>
+                                </m:r>
+                                <m:r>
+                                  <a:rPr lang="fr-FR" i="1">
+                                    <a:latin typeface="Cambria Math" panose="02040503050406030204" pitchFamily="18" charset="0"/>
+                                  </a:rPr>
+                                  <m:t>(</m:t>
+                                </m:r>
+                                <m:r>
+                                  <a:rPr lang="fr-FR" i="1">
+                                    <a:latin typeface="Cambria Math" panose="02040503050406030204" pitchFamily="18" charset="0"/>
+                                  </a:rPr>
+                                  <m:t>𝑢</m:t>
+                                </m:r>
+                                <m:r>
+                                  <a:rPr lang="fr-FR" i="1">
+                                    <a:latin typeface="Cambria Math" panose="02040503050406030204" pitchFamily="18" charset="0"/>
+                                  </a:rPr>
+                                  <m:t>)</m:t>
+                                </m:r>
+                              </m:e>
+                              <m:e/>
+                            </m:mr>
+                            <m:mr>
+                              <m:e/>
+                              <m:e>
+                                <m:r>
+                                  <a:rPr lang="fr-FR" i="1">
+                                    <a:latin typeface="Cambria Math" panose="02040503050406030204" pitchFamily="18" charset="0"/>
+                                  </a:rPr>
+                                  <m:t>𝜌</m:t>
+                                </m:r>
+                                <m:r>
+                                  <a:rPr lang="fr-FR" i="1">
+                                    <a:latin typeface="Cambria Math" panose="02040503050406030204" pitchFamily="18" charset="0"/>
+                                  </a:rPr>
+                                  <m:t>=</m:t>
+                                </m:r>
+                                <m:func>
+                                  <m:funcPr>
+                                    <m:ctrlPr>
+                                      <a:rPr lang="fr-FR" i="1">
+                                        <a:latin typeface="Cambria Math" panose="02040503050406030204" pitchFamily="18" charset="0"/>
+                                      </a:rPr>
+                                    </m:ctrlPr>
+                                  </m:funcPr>
+                                  <m:fName>
+                                    <m:r>
+                                      <m:rPr>
+                                        <m:sty m:val="p"/>
+                                      </m:rPr>
+                                      <a:rPr lang="fr-FR" b="0" i="0" smtClean="0">
+                                        <a:latin typeface="Cambria Math" panose="02040503050406030204" pitchFamily="18" charset="0"/>
+                                      </a:rPr>
+                                      <m:t>arg</m:t>
+                                    </m:r>
+                                    <m:r>
+                                      <m:rPr>
+                                        <m:sty m:val="p"/>
+                                      </m:rPr>
+                                      <a:rPr lang="fr-FR">
+                                        <a:latin typeface="Cambria Math" panose="02040503050406030204" pitchFamily="18" charset="0"/>
+                                      </a:rPr>
+                                      <m:t>min</m:t>
+                                    </m:r>
+                                  </m:fName>
+                                  <m:e>
+                                    <m:r>
+                                      <a:rPr lang="fr-FR" i="1">
+                                        <a:latin typeface="Cambria Math" panose="02040503050406030204" pitchFamily="18" charset="0"/>
+                                      </a:rPr>
+                                      <m:t>𝑂𝑣𝑒𝑟𝐹𝑙𝑜𝑤</m:t>
+                                    </m:r>
+                                    <m:r>
+                                      <a:rPr lang="fr-FR" i="1">
+                                        <a:latin typeface="Cambria Math" panose="02040503050406030204" pitchFamily="18" charset="0"/>
+                                      </a:rPr>
+                                      <m:t>(</m:t>
+                                    </m:r>
+                                    <m:r>
+                                      <a:rPr lang="fr-FR" i="1">
+                                        <a:latin typeface="Cambria Math" panose="02040503050406030204" pitchFamily="18" charset="0"/>
+                                      </a:rPr>
+                                      <m:t>𝑝𝑟𝑜𝑑</m:t>
+                                    </m:r>
+                                    <m:r>
+                                      <a:rPr lang="fr-FR" i="1">
+                                        <a:latin typeface="Cambria Math" panose="02040503050406030204" pitchFamily="18" charset="0"/>
+                                      </a:rPr>
+                                      <m:t>)</m:t>
+                                    </m:r>
+                                  </m:e>
+                                </m:func>
+                              </m:e>
+                              <m:e/>
+                            </m:mr>
+                            <m:mr>
+                              <m:e/>
+                              <m:e/>
+                              <m:e/>
+                            </m:mr>
+                          </m:m>
+                          <m:r>
+                            <m:rPr>
+                              <m:nor/>
+                            </m:rPr>
+                            <a:rPr lang="fr-FR" dirty="0"/>
+                            <m:t> </m:t>
+                          </m:r>
+                        </m:e>
+                      </m:d>
+                    </m:oMath>
+                  </m:oMathPara>
+                </a14:m>
+                <a:endParaRPr lang="fr-FR" b="0" dirty="0" smtClean="0"/>
+              </a:p>
+              <a:p>
+                <a:pPr lvl="1"/>
+                <a:endParaRPr lang="fr-FR" b="0" dirty="0" smtClean="0"/>
+              </a:p>
+              <a:p>
+                <a:pPr lvl="1"/>
+                <a14:m>
+                  <m:oMath xmlns:m="http://schemas.openxmlformats.org/officeDocument/2006/math">
+                    <m:r>
+                      <a:rPr lang="fr-FR" i="1">
+                        <a:latin typeface="Cambria Math" panose="02040503050406030204" pitchFamily="18" charset="0"/>
+                      </a:rPr>
+                      <m:t>𝐸𝑚𝑝𝑖𝑙𝑒𝑚𝑒𝑛𝑡𝐸𝑐𝑜</m:t>
+                    </m:r>
+                    <m:r>
+                      <a:rPr lang="fr-FR" i="1">
+                        <a:latin typeface="Cambria Math" panose="02040503050406030204" pitchFamily="18" charset="0"/>
+                      </a:rPr>
+                      <m:t>(</m:t>
+                    </m:r>
+                    <m:r>
+                      <a:rPr lang="fr-FR" i="1">
+                        <a:latin typeface="Cambria Math" panose="02040503050406030204" pitchFamily="18" charset="0"/>
+                      </a:rPr>
+                      <m:t>𝑢</m:t>
+                    </m:r>
+                    <m:r>
+                      <a:rPr lang="fr-FR" i="1">
+                        <a:latin typeface="Cambria Math" panose="02040503050406030204" pitchFamily="18" charset="0"/>
+                      </a:rPr>
+                      <m:t>)</m:t>
+                    </m:r>
+                    <m:d>
+                      <m:dPr>
+                        <m:begChr m:val="{"/>
+                        <m:endChr m:val="}"/>
+                        <m:ctrlPr>
+                          <a:rPr lang="fr-FR" i="1">
+                            <a:latin typeface="Cambria Math" panose="02040503050406030204" pitchFamily="18" charset="0"/>
+                          </a:rPr>
+                        </m:ctrlPr>
+                      </m:dPr>
+                      <m:e>
+                        <m:m>
+                          <m:mPr>
+                            <m:mcs>
+                              <m:mc>
+                                <m:mcPr>
+                                  <m:count m:val="1"/>
+                                  <m:mcJc m:val="center"/>
+                                </m:mcPr>
+                              </m:mc>
+                            </m:mcs>
+                            <m:ctrlPr>
+                              <a:rPr lang="fr-FR" i="1">
+                                <a:latin typeface="Cambria Math" panose="02040503050406030204" pitchFamily="18" charset="0"/>
+                              </a:rPr>
+                            </m:ctrlPr>
+                          </m:mPr>
+                          <m:mr>
+                            <m:e>
+                              <m:r>
+                                <m:rPr>
+                                  <m:brk m:alnAt="7"/>
+                                </m:rPr>
+                                <a:rPr lang="fr-FR" i="1">
+                                  <a:latin typeface="Cambria Math" panose="02040503050406030204" pitchFamily="18" charset="0"/>
+                                </a:rPr>
+                                <m:t>𝑥</m:t>
+                              </m:r>
+                              <m:r>
+                                <a:rPr lang="fr-FR" i="1">
+                                  <a:latin typeface="Cambria Math" panose="02040503050406030204" pitchFamily="18" charset="0"/>
+                                </a:rPr>
+                                <m:t>∈</m:t>
+                              </m:r>
+                              <m:d>
+                                <m:dPr>
+                                  <m:begChr m:val="{"/>
+                                  <m:endChr m:val="}"/>
+                                  <m:ctrlPr>
+                                    <a:rPr lang="fr-FR" i="1">
+                                      <a:latin typeface="Cambria Math" panose="02040503050406030204" pitchFamily="18" charset="0"/>
+                                    </a:rPr>
+                                  </m:ctrlPr>
+                                </m:dPr>
+                                <m:e>
+                                  <m:r>
+                                    <a:rPr lang="fr-FR" i="1">
+                                      <a:latin typeface="Cambria Math" panose="02040503050406030204" pitchFamily="18" charset="0"/>
+                                    </a:rPr>
+                                    <m:t>𝐼𝑁</m:t>
+                                  </m:r>
+                                  <m:r>
+                                    <a:rPr lang="fr-FR" i="1">
+                                      <a:latin typeface="Cambria Math" panose="02040503050406030204" pitchFamily="18" charset="0"/>
+                                    </a:rPr>
+                                    <m:t>;</m:t>
+                                  </m:r>
+                                  <m:r>
+                                    <a:rPr lang="fr-FR" i="1">
+                                      <a:latin typeface="Cambria Math" panose="02040503050406030204" pitchFamily="18" charset="0"/>
+                                    </a:rPr>
+                                    <m:t>𝑀𝐴𝑅𝐺𝐼𝑁𝐴𝐿</m:t>
+                                  </m:r>
+                                  <m:r>
+                                    <a:rPr lang="fr-FR" i="1">
+                                      <a:latin typeface="Cambria Math" panose="02040503050406030204" pitchFamily="18" charset="0"/>
+                                    </a:rPr>
+                                    <m:t>;</m:t>
+                                  </m:r>
+                                  <m:r>
+                                    <a:rPr lang="fr-FR" i="1">
+                                      <a:latin typeface="Cambria Math" panose="02040503050406030204" pitchFamily="18" charset="0"/>
+                                    </a:rPr>
+                                    <m:t>𝑂𝑈𝑇</m:t>
+                                  </m:r>
+                                </m:e>
+                              </m:d>
+                            </m:e>
+                          </m:mr>
+                          <m:mr>
+                            <m:e>
+                              <m:d>
+                                <m:dPr>
+                                  <m:ctrlPr>
+                                    <a:rPr lang="fr-FR" i="1">
+                                      <a:latin typeface="Cambria Math" panose="02040503050406030204" pitchFamily="18" charset="0"/>
+                                    </a:rPr>
+                                  </m:ctrlPr>
+                                </m:dPr>
+                                <m:e>
+                                  <m:sSub>
+                                    <m:sSubPr>
+                                      <m:ctrlPr>
+                                        <a:rPr lang="fr-FR" i="1">
+                                          <a:latin typeface="Cambria Math" panose="02040503050406030204" pitchFamily="18" charset="0"/>
+                                        </a:rPr>
+                                      </m:ctrlPr>
+                                    </m:sSubPr>
+                                    <m:e>
+                                      <m:r>
+                                        <a:rPr lang="fr-FR" i="1">
+                                          <a:latin typeface="Cambria Math" panose="02040503050406030204" pitchFamily="18" charset="0"/>
+                                        </a:rPr>
+                                        <m:t>𝑥</m:t>
+                                      </m:r>
+                                    </m:e>
+                                    <m:sub>
+                                      <m:r>
+                                        <a:rPr lang="fr-FR" i="1">
+                                          <a:latin typeface="Cambria Math" panose="02040503050406030204" pitchFamily="18" charset="0"/>
+                                        </a:rPr>
+                                        <m:t>𝐼𝑁</m:t>
+                                      </m:r>
+                                    </m:sub>
+                                  </m:sSub>
+                                </m:e>
+                              </m:d>
+                              <m:r>
+                                <a:rPr lang="fr-FR" i="1">
+                                  <a:latin typeface="Cambria Math" panose="02040503050406030204" pitchFamily="18" charset="0"/>
+                                </a:rPr>
+                                <m:t>⋅</m:t>
+                              </m:r>
+                              <m:r>
+                                <a:rPr lang="fr-FR" i="1">
+                                  <a:latin typeface="Cambria Math" panose="02040503050406030204" pitchFamily="18" charset="0"/>
+                                </a:rPr>
+                                <m:t>𝑝𝑀𝑎𝑥</m:t>
+                              </m:r>
+                              <m:r>
+                                <a:rPr lang="fr-FR" i="1">
+                                  <a:latin typeface="Cambria Math" panose="02040503050406030204" pitchFamily="18" charset="0"/>
+                                </a:rPr>
+                                <m:t>≤</m:t>
+                              </m:r>
+                              <m:r>
+                                <a:rPr lang="fr-FR" b="0" i="1" smtClean="0">
+                                  <a:latin typeface="Cambria Math" panose="02040503050406030204" pitchFamily="18" charset="0"/>
+                                </a:rPr>
+                                <m:t>𝑝𝑟𝑜𝑑</m:t>
+                              </m:r>
+                              <m:r>
+                                <a:rPr lang="fr-FR" i="1">
+                                  <a:latin typeface="Cambria Math" panose="02040503050406030204" pitchFamily="18" charset="0"/>
+                                </a:rPr>
+                                <m:t>≤</m:t>
+                              </m:r>
+                              <m:d>
+                                <m:dPr>
+                                  <m:ctrlPr>
+                                    <a:rPr lang="fr-FR" i="1">
+                                      <a:latin typeface="Cambria Math" panose="02040503050406030204" pitchFamily="18" charset="0"/>
+                                    </a:rPr>
+                                  </m:ctrlPr>
+                                </m:dPr>
+                                <m:e>
+                                  <m:sSub>
+                                    <m:sSubPr>
+                                      <m:ctrlPr>
+                                        <a:rPr lang="fr-FR" i="1">
+                                          <a:latin typeface="Cambria Math" panose="02040503050406030204" pitchFamily="18" charset="0"/>
+                                        </a:rPr>
+                                      </m:ctrlPr>
+                                    </m:sSubPr>
+                                    <m:e>
+                                      <m:r>
+                                        <a:rPr lang="fr-FR" i="1">
+                                          <a:latin typeface="Cambria Math" panose="02040503050406030204" pitchFamily="18" charset="0"/>
+                                        </a:rPr>
+                                        <m:t>1−</m:t>
+                                      </m:r>
+                                      <m:r>
+                                        <a:rPr lang="fr-FR" i="1">
+                                          <a:latin typeface="Cambria Math" panose="02040503050406030204" pitchFamily="18" charset="0"/>
+                                        </a:rPr>
+                                        <m:t>𝑥</m:t>
+                                      </m:r>
+                                    </m:e>
+                                    <m:sub>
+                                      <m:r>
+                                        <a:rPr lang="fr-FR" i="1">
+                                          <a:latin typeface="Cambria Math" panose="02040503050406030204" pitchFamily="18" charset="0"/>
+                                        </a:rPr>
+                                        <m:t>𝑂𝑈𝑇</m:t>
+                                      </m:r>
+                                    </m:sub>
+                                  </m:sSub>
+                                </m:e>
+                              </m:d>
+                              <m:r>
+                                <a:rPr lang="fr-FR" i="1">
+                                  <a:latin typeface="Cambria Math" panose="02040503050406030204" pitchFamily="18" charset="0"/>
+                                </a:rPr>
+                                <m:t>⋅</m:t>
+                              </m:r>
+                              <m:r>
+                                <a:rPr lang="fr-FR" i="1">
+                                  <a:latin typeface="Cambria Math" panose="02040503050406030204" pitchFamily="18" charset="0"/>
+                                </a:rPr>
+                                <m:t>𝑝𝑀𝑎𝑥</m:t>
+                              </m:r>
+                            </m:e>
+                          </m:mr>
+                          <m:mr>
+                            <m:e>
+                              <m:eqArr>
+                                <m:eqArrPr>
+                                  <m:ctrlPr>
+                                    <a:rPr lang="fr-FR" i="1">
+                                      <a:latin typeface="Cambria Math" panose="02040503050406030204" pitchFamily="18" charset="0"/>
+                                    </a:rPr>
+                                  </m:ctrlPr>
+                                </m:eqArrPr>
+                                <m:e>
+                                  <m:sSub>
+                                    <m:sSubPr>
+                                      <m:ctrlPr>
+                                        <a:rPr lang="fr-FR" i="1">
+                                          <a:latin typeface="Cambria Math" panose="02040503050406030204" pitchFamily="18" charset="0"/>
+                                        </a:rPr>
+                                      </m:ctrlPr>
+                                    </m:sSubPr>
+                                    <m:e>
+                                      <m:r>
+                                        <a:rPr lang="fr-FR" i="1">
+                                          <a:latin typeface="Cambria Math" panose="02040503050406030204" pitchFamily="18" charset="0"/>
+                                        </a:rPr>
+                                        <m:t>𝑥</m:t>
+                                      </m:r>
+                                    </m:e>
+                                    <m:sub>
+                                      <m:r>
+                                        <a:rPr lang="fr-FR" i="1">
+                                          <a:latin typeface="Cambria Math" panose="02040503050406030204" pitchFamily="18" charset="0"/>
+                                        </a:rPr>
+                                        <m:t>𝐼𝑁</m:t>
+                                      </m:r>
+                                    </m:sub>
+                                  </m:sSub>
+                                  <m:r>
+                                    <a:rPr lang="fr-FR" i="1">
+                                      <a:latin typeface="Cambria Math" panose="02040503050406030204" pitchFamily="18" charset="0"/>
+                                    </a:rPr>
+                                    <m:t>+</m:t>
+                                  </m:r>
+                                  <m:sSub>
+                                    <m:sSubPr>
+                                      <m:ctrlPr>
+                                        <a:rPr lang="fr-FR" i="1">
+                                          <a:latin typeface="Cambria Math" panose="02040503050406030204" pitchFamily="18" charset="0"/>
+                                        </a:rPr>
+                                      </m:ctrlPr>
+                                    </m:sSubPr>
+                                    <m:e>
+                                      <m:r>
+                                        <a:rPr lang="fr-FR" i="1">
+                                          <a:latin typeface="Cambria Math" panose="02040503050406030204" pitchFamily="18" charset="0"/>
+                                        </a:rPr>
+                                        <m:t>𝑥</m:t>
+                                      </m:r>
+                                    </m:e>
+                                    <m:sub>
+                                      <m:r>
+                                        <a:rPr lang="fr-FR" i="1">
+                                          <a:latin typeface="Cambria Math" panose="02040503050406030204" pitchFamily="18" charset="0"/>
+                                        </a:rPr>
+                                        <m:t>𝑀𝐴𝑅𝐺𝐼𝑁𝐴𝐿</m:t>
+                                      </m:r>
+                                    </m:sub>
+                                  </m:sSub>
+                                  <m:r>
+                                    <a:rPr lang="fr-FR" i="1">
+                                      <a:latin typeface="Cambria Math" panose="02040503050406030204" pitchFamily="18" charset="0"/>
+                                    </a:rPr>
+                                    <m:t>+</m:t>
+                                  </m:r>
+                                  <m:sSub>
+                                    <m:sSubPr>
+                                      <m:ctrlPr>
+                                        <a:rPr lang="fr-FR" i="1">
+                                          <a:latin typeface="Cambria Math" panose="02040503050406030204" pitchFamily="18" charset="0"/>
+                                        </a:rPr>
+                                      </m:ctrlPr>
+                                    </m:sSubPr>
+                                    <m:e>
+                                      <m:r>
+                                        <a:rPr lang="fr-FR" i="1">
+                                          <a:latin typeface="Cambria Math" panose="02040503050406030204" pitchFamily="18" charset="0"/>
+                                        </a:rPr>
+                                        <m:t>𝑥</m:t>
+                                      </m:r>
+                                    </m:e>
+                                    <m:sub>
+                                      <m:r>
+                                        <a:rPr lang="fr-FR" i="1">
+                                          <a:latin typeface="Cambria Math" panose="02040503050406030204" pitchFamily="18" charset="0"/>
+                                        </a:rPr>
+                                        <m:t>𝑂𝑈𝑇</m:t>
+                                      </m:r>
+                                    </m:sub>
+                                  </m:sSub>
+                                  <m:r>
+                                    <a:rPr lang="fr-FR" i="1">
+                                      <a:latin typeface="Cambria Math" panose="02040503050406030204" pitchFamily="18" charset="0"/>
+                                    </a:rPr>
+                                    <m:t>=1</m:t>
+                                  </m:r>
+                                </m:e>
+                                <m:e>
+                                  <m:nary>
+                                    <m:naryPr>
+                                      <m:chr m:val="∑"/>
+                                      <m:subHide m:val="on"/>
+                                      <m:supHide m:val="on"/>
+                                      <m:ctrlPr>
+                                        <a:rPr lang="fr-FR" i="1">
+                                          <a:latin typeface="Cambria Math" panose="02040503050406030204" pitchFamily="18" charset="0"/>
+                                        </a:rPr>
+                                      </m:ctrlPr>
+                                    </m:naryPr>
+                                    <m:sub/>
+                                    <m:sup/>
+                                    <m:e>
+                                      <m:r>
+                                        <a:rPr lang="fr-FR" i="1">
+                                          <a:latin typeface="Cambria Math" panose="02040503050406030204" pitchFamily="18" charset="0"/>
+                                        </a:rPr>
+                                        <m:t>𝑝</m:t>
+                                      </m:r>
+                                      <m:r>
+                                        <a:rPr lang="fr-FR" b="0" i="1" smtClean="0">
+                                          <a:latin typeface="Cambria Math" panose="02040503050406030204" pitchFamily="18" charset="0"/>
+                                        </a:rPr>
+                                        <m:t>𝑟𝑜𝑑</m:t>
+                                      </m:r>
+                                    </m:e>
+                                  </m:nary>
+                                  <m:r>
+                                    <a:rPr lang="fr-FR" i="1">
+                                      <a:latin typeface="Cambria Math" panose="02040503050406030204" pitchFamily="18" charset="0"/>
+                                    </a:rPr>
+                                    <m:t>=</m:t>
+                                  </m:r>
+                                  <m:r>
+                                    <a:rPr lang="fr-FR" i="1">
+                                      <a:latin typeface="Cambria Math" panose="02040503050406030204" pitchFamily="18" charset="0"/>
+                                    </a:rPr>
+                                    <m:t>𝑢</m:t>
+                                  </m:r>
+                                </m:e>
+                                <m:e>
+                                  <m:sSubSup>
+                                    <m:sSubSupPr>
+                                      <m:ctrlPr>
+                                        <a:rPr lang="fr-FR" i="1">
+                                          <a:latin typeface="Cambria Math" panose="02040503050406030204" pitchFamily="18" charset="0"/>
+                                        </a:rPr>
+                                      </m:ctrlPr>
+                                    </m:sSubSupPr>
+                                    <m:e>
+                                      <m:r>
+                                        <a:rPr lang="fr-FR" i="1">
+                                          <a:latin typeface="Cambria Math" panose="02040503050406030204" pitchFamily="18" charset="0"/>
+                                        </a:rPr>
+                                        <m:t>𝑥</m:t>
+                                      </m:r>
+                                    </m:e>
+                                    <m:sub>
+                                      <m:r>
+                                        <a:rPr lang="fr-FR" i="1">
+                                          <a:latin typeface="Cambria Math" panose="02040503050406030204" pitchFamily="18" charset="0"/>
+                                        </a:rPr>
+                                        <m:t>𝐼𝑁</m:t>
+                                      </m:r>
+                                    </m:sub>
+                                    <m:sup>
+                                      <m:r>
+                                        <a:rPr lang="fr-FR" i="1">
+                                          <a:latin typeface="Cambria Math" panose="02040503050406030204" pitchFamily="18" charset="0"/>
+                                        </a:rPr>
+                                        <m:t>𝑖</m:t>
+                                      </m:r>
+                                    </m:sup>
+                                  </m:sSubSup>
+                                  <m:r>
+                                    <a:rPr lang="fr-FR" b="0" i="1" smtClean="0">
+                                      <a:latin typeface="Cambria Math" panose="02040503050406030204" pitchFamily="18" charset="0"/>
+                                    </a:rPr>
+                                    <m:t>≤</m:t>
+                                  </m:r>
+                                  <m:sSubSup>
+                                    <m:sSubSupPr>
+                                      <m:ctrlPr>
+                                        <a:rPr lang="fr-FR" i="1">
+                                          <a:latin typeface="Cambria Math" panose="02040503050406030204" pitchFamily="18" charset="0"/>
+                                        </a:rPr>
+                                      </m:ctrlPr>
+                                    </m:sSubSupPr>
+                                    <m:e>
+                                      <m:r>
+                                        <a:rPr lang="fr-FR" i="1">
+                                          <a:latin typeface="Cambria Math" panose="02040503050406030204" pitchFamily="18" charset="0"/>
+                                        </a:rPr>
+                                        <m:t>𝑥</m:t>
+                                      </m:r>
+                                    </m:e>
+                                    <m:sub>
+                                      <m:r>
+                                        <a:rPr lang="fr-FR" i="1">
+                                          <a:latin typeface="Cambria Math" panose="02040503050406030204" pitchFamily="18" charset="0"/>
+                                        </a:rPr>
+                                        <m:t>𝐼𝑁</m:t>
+                                      </m:r>
+                                    </m:sub>
+                                    <m:sup>
+                                      <m:r>
+                                        <a:rPr lang="fr-FR" b="0" i="1" smtClean="0">
+                                          <a:latin typeface="Cambria Math" panose="02040503050406030204" pitchFamily="18" charset="0"/>
+                                        </a:rPr>
+                                        <m:t>𝑗</m:t>
+                                      </m:r>
+                                    </m:sup>
+                                  </m:sSubSup>
+                                  <m:r>
+                                    <a:rPr lang="fr-FR" b="0" i="1" smtClean="0">
+                                      <a:latin typeface="Cambria Math" panose="02040503050406030204" pitchFamily="18" charset="0"/>
+                                    </a:rPr>
+                                    <m:t> </m:t>
+                                  </m:r>
+                                  <m:r>
+                                    <a:rPr lang="fr-FR" b="0" i="1" smtClean="0">
+                                      <a:latin typeface="Cambria Math" panose="02040503050406030204" pitchFamily="18" charset="0"/>
+                                    </a:rPr>
+                                    <m:t>𝑖𝑓</m:t>
+                                  </m:r>
+                                  <m:r>
+                                    <a:rPr lang="fr-FR" b="0" i="1" smtClean="0">
+                                      <a:latin typeface="Cambria Math" panose="02040503050406030204" pitchFamily="18" charset="0"/>
+                                    </a:rPr>
+                                    <m:t> </m:t>
+                                  </m:r>
+                                  <m:sSub>
+                                    <m:sSubPr>
+                                      <m:ctrlPr>
+                                        <a:rPr lang="fr-FR" b="0" i="1" smtClean="0">
+                                          <a:latin typeface="Cambria Math" panose="02040503050406030204" pitchFamily="18" charset="0"/>
+                                        </a:rPr>
+                                      </m:ctrlPr>
+                                    </m:sSubPr>
+                                    <m:e>
+                                      <m:r>
+                                        <a:rPr lang="fr-FR" b="0" i="1" smtClean="0">
+                                          <a:latin typeface="Cambria Math" panose="02040503050406030204" pitchFamily="18" charset="0"/>
+                                        </a:rPr>
+                                        <m:t>𝑐</m:t>
+                                      </m:r>
+                                    </m:e>
+                                    <m:sub>
+                                      <m:r>
+                                        <a:rPr lang="fr-FR" b="0" i="1" smtClean="0">
+                                          <a:latin typeface="Cambria Math" panose="02040503050406030204" pitchFamily="18" charset="0"/>
+                                        </a:rPr>
+                                        <m:t>𝑖</m:t>
+                                      </m:r>
+                                    </m:sub>
+                                  </m:sSub>
+                                  <m:r>
+                                    <a:rPr lang="fr-FR" b="0" i="1" smtClean="0">
+                                      <a:latin typeface="Cambria Math" panose="02040503050406030204" pitchFamily="18" charset="0"/>
+                                    </a:rPr>
+                                    <m:t>≥</m:t>
+                                  </m:r>
+                                  <m:sSub>
+                                    <m:sSubPr>
+                                      <m:ctrlPr>
+                                        <a:rPr lang="fr-FR" b="0" i="1" smtClean="0">
+                                          <a:latin typeface="Cambria Math" panose="02040503050406030204" pitchFamily="18" charset="0"/>
+                                        </a:rPr>
+                                      </m:ctrlPr>
+                                    </m:sSubPr>
+                                    <m:e>
+                                      <m:r>
+                                        <a:rPr lang="fr-FR" b="0" i="1" smtClean="0">
+                                          <a:latin typeface="Cambria Math" panose="02040503050406030204" pitchFamily="18" charset="0"/>
+                                        </a:rPr>
+                                        <m:t>𝑐</m:t>
+                                      </m:r>
+                                    </m:e>
+                                    <m:sub>
+                                      <m:r>
+                                        <a:rPr lang="fr-FR" b="0" i="1" smtClean="0">
+                                          <a:latin typeface="Cambria Math" panose="02040503050406030204" pitchFamily="18" charset="0"/>
+                                        </a:rPr>
+                                        <m:t>𝑗</m:t>
+                                      </m:r>
+                                    </m:sub>
+                                  </m:sSub>
+                                </m:e>
+                              </m:eqArr>
+                            </m:e>
+                          </m:mr>
+                        </m:m>
+                      </m:e>
+                    </m:d>
+                  </m:oMath>
+                </a14:m>
+                <a:r>
+                  <a:rPr lang="fr-FR" dirty="0" smtClean="0"/>
+                  <a:t> 	</a:t>
+                </a:r>
+                <a14:m>
+                  <m:oMath xmlns:m="http://schemas.openxmlformats.org/officeDocument/2006/math">
+                    <m:r>
+                      <a:rPr lang="fr-FR" b="0" i="0" smtClean="0">
+                        <a:latin typeface="Cambria Math" panose="02040503050406030204" pitchFamily="18" charset="0"/>
+                      </a:rPr>
+                      <m:t> </m:t>
+                    </m:r>
+                    <m:r>
+                      <a:rPr lang="fr-FR" i="1">
+                        <a:latin typeface="Cambria Math" panose="02040503050406030204" pitchFamily="18" charset="0"/>
+                      </a:rPr>
+                      <m:t>𝑂𝑣𝑒𝑟𝐹𝑙𝑜𝑤</m:t>
+                    </m:r>
+                    <m:r>
+                      <a:rPr lang="fr-FR" i="1">
+                        <a:latin typeface="Cambria Math" panose="02040503050406030204" pitchFamily="18" charset="0"/>
+                      </a:rPr>
+                      <m:t>(</m:t>
+                    </m:r>
+                    <m:r>
+                      <a:rPr lang="fr-FR" i="1">
+                        <a:latin typeface="Cambria Math" panose="02040503050406030204" pitchFamily="18" charset="0"/>
+                      </a:rPr>
+                      <m:t>𝑝</m:t>
+                    </m:r>
+                    <m:r>
+                      <a:rPr lang="fr-FR" i="1">
+                        <a:latin typeface="Cambria Math" panose="02040503050406030204" pitchFamily="18" charset="0"/>
+                      </a:rPr>
+                      <m:t>)</m:t>
+                    </m:r>
+                    <m:d>
+                      <m:dPr>
+                        <m:begChr m:val="{"/>
+                        <m:endChr m:val="}"/>
+                        <m:ctrlPr>
+                          <a:rPr lang="fr-FR" i="1">
+                            <a:latin typeface="Cambria Math" panose="02040503050406030204" pitchFamily="18" charset="0"/>
+                          </a:rPr>
+                        </m:ctrlPr>
+                      </m:dPr>
+                      <m:e>
+                        <m:eqArr>
+                          <m:eqArrPr>
+                            <m:ctrlPr>
+                              <a:rPr lang="fr-FR" b="0" i="1" smtClean="0">
+                                <a:latin typeface="Cambria Math" panose="02040503050406030204" pitchFamily="18" charset="0"/>
+                              </a:rPr>
+                            </m:ctrlPr>
+                          </m:eqArrPr>
+                          <m:e>
+                            <m:func>
+                              <m:funcPr>
+                                <m:ctrlPr>
+                                  <a:rPr lang="fr-FR" b="0" i="1" smtClean="0">
+                                    <a:latin typeface="Cambria Math" panose="02040503050406030204" pitchFamily="18" charset="0"/>
+                                  </a:rPr>
+                                </m:ctrlPr>
+                              </m:funcPr>
+                              <m:fName>
+                                <m:r>
+                                  <m:rPr>
+                                    <m:sty m:val="p"/>
+                                  </m:rPr>
+                                  <a:rPr lang="fr-FR" b="0" i="0" smtClean="0">
+                                    <a:latin typeface="Cambria Math" panose="02040503050406030204" pitchFamily="18" charset="0"/>
+                                  </a:rPr>
+                                  <m:t>min</m:t>
+                                </m:r>
+                              </m:fName>
+                              <m:e>
+                                <m:r>
+                                  <a:rPr lang="fr-FR" b="0" i="1" smtClean="0">
+                                    <a:latin typeface="Cambria Math" panose="02040503050406030204" pitchFamily="18" charset="0"/>
+                                  </a:rPr>
+                                  <m:t>𝜌</m:t>
+                                </m:r>
+                              </m:e>
+                            </m:func>
+                          </m:e>
+                          <m:e>
+                            <m:d>
+                              <m:dPr>
+                                <m:begChr m:val="|"/>
+                                <m:endChr m:val="|"/>
+                                <m:ctrlPr>
+                                  <a:rPr lang="fr-FR" b="0" i="1" smtClean="0">
+                                    <a:latin typeface="Cambria Math" panose="02040503050406030204" pitchFamily="18" charset="0"/>
+                                  </a:rPr>
+                                </m:ctrlPr>
+                              </m:dPr>
+                              <m:e>
+                                <m:r>
+                                  <a:rPr lang="fr-FR" b="0" i="1" smtClean="0">
+                                    <a:latin typeface="Cambria Math" panose="02040503050406030204" pitchFamily="18" charset="0"/>
+                                  </a:rPr>
+                                  <m:t>𝑃𝑇𝐷𝐹</m:t>
+                                </m:r>
+                                <m:r>
+                                  <a:rPr lang="fr-FR" b="0" i="1" smtClean="0">
+                                    <a:latin typeface="Cambria Math" panose="02040503050406030204" pitchFamily="18" charset="0"/>
+                                  </a:rPr>
+                                  <m:t>⋅</m:t>
+                                </m:r>
+                                <m:r>
+                                  <a:rPr lang="fr-FR" b="0" i="1" smtClean="0">
+                                    <a:latin typeface="Cambria Math" panose="02040503050406030204" pitchFamily="18" charset="0"/>
+                                  </a:rPr>
+                                  <m:t>𝑝𝑟𝑜𝑑</m:t>
+                                </m:r>
+                              </m:e>
+                            </m:d>
+                            <m:r>
+                              <a:rPr lang="fr-FR" b="0" i="1" smtClean="0">
+                                <a:latin typeface="Cambria Math" panose="02040503050406030204" pitchFamily="18" charset="0"/>
+                              </a:rPr>
+                              <m:t>−</m:t>
+                            </m:r>
+                            <m:r>
+                              <a:rPr lang="fr-FR" b="0" i="1" smtClean="0">
+                                <a:latin typeface="Cambria Math" panose="02040503050406030204" pitchFamily="18" charset="0"/>
+                              </a:rPr>
+                              <m:t>𝑈</m:t>
+                            </m:r>
+                            <m:r>
+                              <a:rPr lang="fr-FR" b="0" i="1" smtClean="0">
+                                <a:latin typeface="Cambria Math" panose="02040503050406030204" pitchFamily="18" charset="0"/>
+                              </a:rPr>
+                              <m:t>−</m:t>
+                            </m:r>
+                            <m:r>
+                              <a:rPr lang="fr-FR" b="0" i="1" smtClean="0">
+                                <a:latin typeface="Cambria Math" panose="02040503050406030204" pitchFamily="18" charset="0"/>
+                              </a:rPr>
+                              <m:t>𝜌</m:t>
+                            </m:r>
+                            <m:r>
+                              <a:rPr lang="fr-FR" b="0" i="1" smtClean="0">
+                                <a:latin typeface="Cambria Math" panose="02040503050406030204" pitchFamily="18" charset="0"/>
+                              </a:rPr>
+                              <m:t>≤0</m:t>
+                            </m:r>
+                          </m:e>
+                          <m:e/>
+                          <m:e/>
+                        </m:eqArr>
+                      </m:e>
+                    </m:d>
+                  </m:oMath>
+                </a14:m>
+                <a:endParaRPr lang="fr-FR" dirty="0" smtClean="0"/>
+              </a:p>
+              <a:p>
+                <a:pPr lvl="1"/>
+                <a:endParaRPr lang="fr-FR" dirty="0" smtClean="0"/>
+              </a:p>
+              <a:p>
+                <a:pPr lvl="1"/>
+                <a14:m>
+                  <m:oMathPara xmlns:m="http://schemas.openxmlformats.org/officeDocument/2006/math">
+                    <m:oMathParaPr>
+                      <m:jc m:val="centerGroup"/>
+                    </m:oMathParaPr>
+                    <m:oMath xmlns:m="http://schemas.openxmlformats.org/officeDocument/2006/math">
+                      <m:r>
+                        <a:rPr lang="fr-FR" i="1">
+                          <a:latin typeface="Cambria Math" panose="02040503050406030204" pitchFamily="18" charset="0"/>
+                        </a:rPr>
+                        <m:t>𝑈𝑛𝑐𝑒𝑟𝑡𝑎𝑖𝑛𝑡𝑖𝑒𝑠</m:t>
+                      </m:r>
+                      <m:r>
+                        <a:rPr lang="fr-FR" i="1">
+                          <a:latin typeface="Cambria Math" panose="02040503050406030204" pitchFamily="18" charset="0"/>
+                        </a:rPr>
+                        <m:t> </m:t>
+                      </m:r>
+                      <m:d>
+                        <m:dPr>
+                          <m:begChr m:val="{"/>
+                          <m:endChr m:val="}"/>
+                          <m:ctrlPr>
+                            <a:rPr lang="fr-FR" b="0" i="1" smtClean="0">
+                              <a:latin typeface="Cambria Math" panose="02040503050406030204" pitchFamily="18" charset="0"/>
+                            </a:rPr>
+                          </m:ctrlPr>
+                        </m:dPr>
+                        <m:e>
+                          <m:r>
+                            <a:rPr lang="fr-FR" b="0" i="1" smtClean="0">
+                              <a:latin typeface="Cambria Math" panose="02040503050406030204" pitchFamily="18" charset="0"/>
+                            </a:rPr>
+                            <m:t>𝑢</m:t>
+                          </m:r>
+                          <m:r>
+                            <a:rPr lang="fr-FR" b="0" i="1" smtClean="0">
+                              <a:latin typeface="Cambria Math" panose="02040503050406030204" pitchFamily="18" charset="0"/>
+                            </a:rPr>
+                            <m:t>∈</m:t>
+                          </m:r>
+                          <m:sSup>
+                            <m:sSupPr>
+                              <m:ctrlPr>
+                                <a:rPr lang="fr-FR" b="0" i="1" smtClean="0">
+                                  <a:latin typeface="Cambria Math" panose="02040503050406030204" pitchFamily="18" charset="0"/>
+                                </a:rPr>
+                              </m:ctrlPr>
+                            </m:sSupPr>
+                            <m:e>
+                              <m:d>
+                                <m:dPr>
+                                  <m:begChr m:val="["/>
+                                  <m:endChr m:val="]"/>
+                                  <m:ctrlPr>
+                                    <a:rPr lang="fr-FR" b="0" i="1" smtClean="0">
+                                      <a:latin typeface="Cambria Math" panose="02040503050406030204" pitchFamily="18" charset="0"/>
+                                    </a:rPr>
+                                  </m:ctrlPr>
+                                </m:dPr>
+                                <m:e>
+                                  <m:r>
+                                    <a:rPr lang="fr-FR" b="0" i="1" smtClean="0">
+                                      <a:latin typeface="Cambria Math" panose="02040503050406030204" pitchFamily="18" charset="0"/>
+                                    </a:rPr>
+                                    <m:t>𝑙</m:t>
+                                  </m:r>
+                                  <m:r>
+                                    <a:rPr lang="fr-FR" b="0" i="1" smtClean="0">
+                                      <a:latin typeface="Cambria Math" panose="02040503050406030204" pitchFamily="18" charset="0"/>
+                                    </a:rPr>
+                                    <m:t>,</m:t>
+                                  </m:r>
+                                  <m:r>
+                                    <a:rPr lang="fr-FR" b="0" i="1" smtClean="0">
+                                      <a:latin typeface="Cambria Math" panose="02040503050406030204" pitchFamily="18" charset="0"/>
+                                    </a:rPr>
+                                    <m:t>𝑢</m:t>
+                                  </m:r>
+                                </m:e>
+                              </m:d>
+                            </m:e>
+                            <m:sup/>
+                          </m:sSup>
+                        </m:e>
+                      </m:d>
+                    </m:oMath>
+                  </m:oMathPara>
+                </a14:m>
+                <a:endParaRPr lang="fr-FR" dirty="0"/>
+              </a:p>
+            </p:txBody>
+          </p:sp>
+        </mc:Choice>
+        <mc:Fallback>
+          <p:sp>
+            <p:nvSpPr>
+              <p:cNvPr id="2" name="Espace réservé du contenu 1"/>
+              <p:cNvSpPr>
+                <a:spLocks noGrp="1" noRot="1" noChangeAspect="1" noMove="1" noResize="1" noEditPoints="1" noAdjustHandles="1" noChangeArrowheads="1" noChangeShapeType="1" noTextEdit="1"/>
+              </p:cNvSpPr>
+              <p:nvPr>
+                <p:ph idx="1"/>
+              </p:nvPr>
+            </p:nvSpPr>
+            <p:spPr>
+              <a:xfrm>
+                <a:off x="594612" y="987760"/>
+                <a:ext cx="8092188" cy="3467508"/>
+              </a:xfrm>
+              <a:blipFill rotWithShape="0">
+                <a:blip r:embed="rId2"/>
+                <a:stretch>
+                  <a:fillRect/>
+                </a:stretch>
+              </a:blipFill>
+            </p:spPr>
+            <p:txBody>
+              <a:bodyPr/>
+              <a:lstStyle/>
+              <a:p>
+                <a:r>
+                  <a:rPr lang="fr-FR">
+                    <a:noFill/>
+                  </a:rPr>
+                  <a:t> </a:t>
+                </a:r>
+              </a:p>
+            </p:txBody>
+          </p:sp>
+        </mc:Fallback>
+      </mc:AlternateContent>
+      <p:sp>
+        <p:nvSpPr>
+          <p:cNvPr id="3" name="Espace réservé du numéro de diapositive 2"/>
+          <p:cNvSpPr>
+            <a:spLocks noGrp="1"/>
+          </p:cNvSpPr>
+          <p:nvPr>
+            <p:ph type="sldNum" sz="quarter" idx="12"/>
+          </p:nvPr>
+        </p:nvSpPr>
+        <p:spPr/>
+        <p:txBody>
+          <a:bodyPr/>
+          <a:lstStyle/>
+          <a:p>
+            <a:fld id="{59894E3C-CCE6-F242-84E3-BCBDD257A1E1}" type="slidenum">
+              <a:rPr lang="fr-FR" smtClean="0"/>
+              <a:t>11</a:t>
+            </a:fld>
+            <a:endParaRPr lang="fr-FR"/>
+          </a:p>
+        </p:txBody>
+      </p:sp>
+      <p:sp>
+        <p:nvSpPr>
+          <p:cNvPr id="4" name="Espace réservé du texte 3"/>
+          <p:cNvSpPr>
+            <a:spLocks noGrp="1"/>
+          </p:cNvSpPr>
+          <p:nvPr>
+            <p:ph type="body" sz="quarter" idx="13"/>
+          </p:nvPr>
+        </p:nvSpPr>
+        <p:spPr>
+          <a:xfrm>
+            <a:off x="594612" y="363366"/>
+            <a:ext cx="8092188" cy="400110"/>
+          </a:xfrm>
+        </p:spPr>
+        <p:txBody>
+          <a:bodyPr/>
+          <a:lstStyle/>
+          <a:p>
+            <a:r>
+              <a:rPr lang="fr-FR" dirty="0" smtClean="0"/>
+              <a:t>Le juge de paix</a:t>
+            </a:r>
+            <a:endParaRPr lang="fr-FR" dirty="0"/>
+          </a:p>
+        </p:txBody>
+      </p:sp>
+    </p:spTree>
+    <p:extLst>
+      <p:ext uri="{BB962C8B-B14F-4D97-AF65-F5344CB8AC3E}">
+        <p14:creationId xmlns:p14="http://schemas.microsoft.com/office/powerpoint/2010/main" val="2826485930"/>
+      </p:ext>
+    </p:extLst>
+  </p:cSld>
+  <p:clrMapOvr>
+    <a:masterClrMapping/>
+  </p:clrMapOvr>
+</p:sld>
+</file>
+
 <file path=ppt/slides/slide2.xml><?xml version="1.0" encoding="utf-8"?>
 <p:sld xmlns:a="http://schemas.openxmlformats.org/drawingml/2006/main" xmlns:r="http://schemas.openxmlformats.org/officeDocument/2006/relationships" xmlns:p="http://schemas.openxmlformats.org/presentationml/2006/main">
   <p:cSld>
@@ -4241,6 +5411,16 @@
                   <a:buChar char="•"/>
                 </a:pPr>
                 <a:r>
+                  <a:rPr lang="fr-FR" dirty="0"/>
+                  <a:t>du planning prévisionnel</a:t>
+                </a:r>
+              </a:p>
+              <a:p>
+                <a:pPr marL="285750" lvl="1" indent="-285750">
+                  <a:buFont typeface="Arial" panose="020B0604020202020204" pitchFamily="34" charset="0"/>
+                  <a:buChar char="•"/>
+                </a:pPr>
+                <a:r>
                   <a:rPr lang="fr-FR" dirty="0" smtClean="0"/>
                   <a:t>du réseau de transport</a:t>
                 </a:r>
@@ -4262,24 +5442,18 @@
                 </a:pPr>
                 <a:r>
                   <a:rPr lang="fr-FR" dirty="0" smtClean="0"/>
-                  <a:t>du planning prévisionnel</a:t>
-                </a:r>
-              </a:p>
-              <a:p>
-                <a:pPr marL="285750" lvl="1" indent="-285750">
-                  <a:buFont typeface="Arial" panose="020B0604020202020204" pitchFamily="34" charset="0"/>
-                  <a:buChar char="•"/>
-                </a:pPr>
-                <a:r>
-                  <a:rPr lang="fr-FR" dirty="0" smtClean="0"/>
                   <a:t>de la réserve disponible</a:t>
                 </a:r>
               </a:p>
               <a:p>
                 <a:pPr lvl="1"/>
                 <a:r>
+                  <a:rPr lang="fr-FR" b="1" i="1" u="sng" dirty="0" smtClean="0"/>
+                  <a:t>Objectifs</a:t>
+                </a:r>
+                <a:r>
                   <a:rPr lang="fr-FR" dirty="0" smtClean="0"/>
-                  <a:t>Objectifs : déterminer les actions préventives à mettre en œuvre pour garantir la sécurité d’approvisionnement (principalement les limites sur les lignes)</a:t>
+                  <a:t>: déterminer les actions préventives à mettre en œuvre pour garantir la sécurité d’approvisionnement (principalement les limites sur les lignes)</a:t>
                 </a:r>
               </a:p>
               <a:p>
@@ -4290,7 +5464,7 @@
                 </a:r>
                 <a:r>
                   <a:rPr lang="fr-FR" dirty="0" smtClean="0"/>
-                  <a:t> : prendre des décisions trop tôt va coûter cher ou ne sera pas possible (à cause d’un manque de réserve). En prenant des décisions au plus proche du temps réel, on optimise les décisions.</a:t>
+                  <a:t>: prendre des décisions trop tôt va coûter cher ou ne sera pas possible (à cause d’un manque de réserve). En prenant des décisions au plus proche du temps réel, on optimise les décisions.</a:t>
                 </a:r>
               </a:p>
               <a:p>
@@ -4484,8 +5658,88 @@
                 </a14:m>
                 <a:r>
                   <a:rPr lang="fr-FR" sz="1100" dirty="0" smtClean="0"/>
-                  <a:t> injecté à un nœud sur chaque ligne. Les contraintes réseau sont des limites en MW sur les ouvrages surveillés</a:t>
+                  <a:t> injecté à un nœud sur chaque ligne. Les contraintes réseau sont des limites en MW sur les ouvrages surveillés </a:t>
                 </a:r>
+                <a:r>
+                  <a:rPr lang="fr-FR" sz="1100" dirty="0"/>
+                  <a:t>: </a:t>
+                </a:r>
+                <a14:m>
+                  <m:oMath xmlns:m="http://schemas.openxmlformats.org/officeDocument/2006/math">
+                    <m:d>
+                      <m:dPr>
+                        <m:ctrlPr>
+                          <a:rPr lang="fr-FR" sz="1100" b="0" i="1" dirty="0" smtClean="0">
+                            <a:latin typeface="Cambria Math" panose="02040503050406030204" pitchFamily="18" charset="0"/>
+                          </a:rPr>
+                        </m:ctrlPr>
+                      </m:dPr>
+                      <m:e>
+                        <m:r>
+                          <a:rPr lang="fr-FR" sz="1100" i="1" dirty="0">
+                            <a:latin typeface="Cambria Math" panose="02040503050406030204" pitchFamily="18" charset="0"/>
+                          </a:rPr>
+                          <m:t>𝑏𝑟𝑎𝑛𝑐h</m:t>
+                        </m:r>
+                        <m:r>
+                          <m:rPr>
+                            <m:lit/>
+                          </m:rPr>
+                          <a:rPr lang="fr-FR" sz="1100" i="1" dirty="0">
+                            <a:latin typeface="Cambria Math" panose="02040503050406030204" pitchFamily="18" charset="0"/>
+                          </a:rPr>
+                          <m:t>_</m:t>
+                        </m:r>
+                        <m:r>
+                          <a:rPr lang="fr-FR" sz="1100" i="1" dirty="0">
+                            <a:latin typeface="Cambria Math" panose="02040503050406030204" pitchFamily="18" charset="0"/>
+                          </a:rPr>
+                          <m:t>𝑛𝑎𝑚𝑒</m:t>
+                        </m:r>
+                        <m:r>
+                          <a:rPr lang="fr-FR" sz="1100" b="0" i="1" dirty="0" smtClean="0">
+                            <a:latin typeface="Cambria Math" panose="02040503050406030204" pitchFamily="18" charset="0"/>
+                          </a:rPr>
+                          <m:t>,  </m:t>
+                        </m:r>
+                        <m:r>
+                          <a:rPr lang="fr-FR" sz="1100" i="1" dirty="0">
+                            <a:latin typeface="Cambria Math" panose="02040503050406030204" pitchFamily="18" charset="0"/>
+                          </a:rPr>
+                          <m:t>𝑏𝑢𝑠</m:t>
+                        </m:r>
+                        <m:r>
+                          <m:rPr>
+                            <m:lit/>
+                          </m:rPr>
+                          <a:rPr lang="fr-FR" sz="1100" i="1" dirty="0">
+                            <a:latin typeface="Cambria Math" panose="02040503050406030204" pitchFamily="18" charset="0"/>
+                          </a:rPr>
+                          <m:t>_</m:t>
+                        </m:r>
+                        <m:r>
+                          <a:rPr lang="fr-FR" sz="1100" i="1" dirty="0">
+                            <a:latin typeface="Cambria Math" panose="02040503050406030204" pitchFamily="18" charset="0"/>
+                          </a:rPr>
+                          <m:t>𝑛𝑎𝑚𝑒</m:t>
+                        </m:r>
+                      </m:e>
+                    </m:d>
+                    <m:r>
+                      <a:rPr lang="fr-FR" sz="1100" i="1" dirty="0">
+                        <a:latin typeface="Cambria Math" panose="02040503050406030204" pitchFamily="18" charset="0"/>
+                      </a:rPr>
+                      <m:t>→</m:t>
+                    </m:r>
+                    <m:r>
+                      <a:rPr lang="fr-FR" sz="1100" i="1" dirty="0">
+                        <a:latin typeface="Cambria Math" panose="02040503050406030204" pitchFamily="18" charset="0"/>
+                      </a:rPr>
+                      <m:t>𝑣𝑎𝑙𝑒𝑢𝑟</m:t>
+                    </m:r>
+                  </m:oMath>
+                </a14:m>
+                <a:endParaRPr lang="fr-FR" sz="1100" dirty="0" smtClean="0"/>
               </a:p>
               <a:p>
                 <a:pPr marL="285750" lvl="1" indent="-285750">
@@ -4993,8 +6247,8 @@
           <a:chExt cx="0" cy="0"/>
         </a:xfrm>
       </p:grpSpPr>
-      <mc:AlternateContent xmlns:mc="http://schemas.openxmlformats.org/markup-compatibility/2006">
-        <mc:Choice xmlns:a14="http://schemas.microsoft.com/office/drawing/2010/main" Requires="a14">
+      <mc:AlternateContent xmlns:mc="http://schemas.openxmlformats.org/markup-compatibility/2006" xmlns:a14="http://schemas.microsoft.com/office/drawing/2010/main">
+        <mc:Choice Requires="a14">
           <p:sp>
             <p:nvSpPr>
               <p:cNvPr id="2" name="Espace réservé du contenu 1"/>
@@ -5008,7 +6262,7 @@
             <p:spPr>
               <a:xfrm>
                 <a:off x="594612" y="1019476"/>
-                <a:ext cx="8092188" cy="2857192"/>
+                <a:ext cx="8092188" cy="3477875"/>
               </a:xfrm>
             </p:spPr>
             <p:txBody>
@@ -5098,44 +6352,173 @@
                       </a:rPr>
                       <m:t>𝑒𝑛𝑟</m:t>
                     </m:r>
+                    <m:d>
+                      <m:dPr>
+                        <m:begChr m:val="["/>
+                        <m:endChr m:val="]"/>
+                        <m:ctrlPr>
+                          <a:rPr lang="fr-FR" b="0" i="1" smtClean="0">
+                            <a:latin typeface="Cambria Math" panose="02040503050406030204" pitchFamily="18" charset="0"/>
+                          </a:rPr>
+                        </m:ctrlPr>
+                      </m:dPr>
+                      <m:e>
+                        <m:r>
+                          <a:rPr lang="fr-FR" b="0" i="1" smtClean="0">
+                            <a:latin typeface="Cambria Math" panose="02040503050406030204" pitchFamily="18" charset="0"/>
+                          </a:rPr>
+                          <m:t>𝑠</m:t>
+                        </m:r>
+                      </m:e>
+                    </m:d>
                     <m:r>
                       <a:rPr lang="fr-FR" b="0" i="1" smtClean="0">
                         <a:latin typeface="Cambria Math" panose="02040503050406030204" pitchFamily="18" charset="0"/>
                       </a:rPr>
-                      <m:t>[</m:t>
+                      <m:t>=</m:t>
+                    </m:r>
+                    <m:func>
+                      <m:funcPr>
+                        <m:ctrlPr>
+                          <a:rPr lang="fr-FR" b="0" i="1" smtClean="0">
+                            <a:latin typeface="Cambria Math" panose="02040503050406030204" pitchFamily="18" charset="0"/>
+                          </a:rPr>
+                        </m:ctrlPr>
+                      </m:funcPr>
+                      <m:fName>
+                        <m:r>
+                          <m:rPr>
+                            <m:sty m:val="p"/>
+                          </m:rPr>
+                          <a:rPr lang="fr-FR" b="0" i="0" smtClean="0">
+                            <a:latin typeface="Cambria Math" panose="02040503050406030204" pitchFamily="18" charset="0"/>
+                          </a:rPr>
+                          <m:t>min</m:t>
+                        </m:r>
+                      </m:fName>
+                      <m:e>
+                        <m:d>
+                          <m:dPr>
+                            <m:ctrlPr>
+                              <a:rPr lang="fr-FR" b="0" i="1" smtClean="0">
+                                <a:latin typeface="Cambria Math" panose="02040503050406030204" pitchFamily="18" charset="0"/>
+                              </a:rPr>
+                            </m:ctrlPr>
+                          </m:dPr>
+                          <m:e>
+                            <m:r>
+                              <a:rPr lang="fr-FR" b="0" i="1" smtClean="0">
+                                <a:latin typeface="Cambria Math" panose="02040503050406030204" pitchFamily="18" charset="0"/>
+                              </a:rPr>
+                              <m:t>𝑃</m:t>
+                            </m:r>
+                            <m:d>
+                              <m:dPr>
+                                <m:begChr m:val="["/>
+                                <m:endChr m:val="]"/>
+                                <m:ctrlPr>
+                                  <a:rPr lang="fr-FR" b="0" i="1" smtClean="0">
+                                    <a:latin typeface="Cambria Math" panose="02040503050406030204" pitchFamily="18" charset="0"/>
+                                  </a:rPr>
+                                </m:ctrlPr>
+                              </m:dPr>
+                              <m:e>
+                                <m:r>
+                                  <a:rPr lang="fr-FR" b="0" i="1" smtClean="0">
+                                    <a:latin typeface="Cambria Math" panose="02040503050406030204" pitchFamily="18" charset="0"/>
+                                  </a:rPr>
+                                  <m:t>𝑠</m:t>
+                                </m:r>
+                              </m:e>
+                            </m:d>
+                            <m:r>
+                              <a:rPr lang="fr-FR" b="0" i="1" smtClean="0">
+                                <a:latin typeface="Cambria Math" panose="02040503050406030204" pitchFamily="18" charset="0"/>
+                              </a:rPr>
+                              <m:t>,</m:t>
+                            </m:r>
+                            <m:r>
+                              <a:rPr lang="fr-FR" b="0" i="1" smtClean="0">
+                                <a:latin typeface="Cambria Math" panose="02040503050406030204" pitchFamily="18" charset="0"/>
+                              </a:rPr>
+                              <m:t>𝑝</m:t>
+                            </m:r>
+                            <m:r>
+                              <m:rPr>
+                                <m:lit/>
+                              </m:rPr>
+                              <a:rPr lang="fr-FR" b="0" i="1" smtClean="0">
+                                <a:latin typeface="Cambria Math" panose="02040503050406030204" pitchFamily="18" charset="0"/>
+                              </a:rPr>
+                              <m:t>_</m:t>
+                            </m:r>
+                            <m:r>
+                              <a:rPr lang="fr-FR" b="0" i="1" smtClean="0">
+                                <a:latin typeface="Cambria Math" panose="02040503050406030204" pitchFamily="18" charset="0"/>
+                              </a:rPr>
+                              <m:t>𝑙𝑖𝑚</m:t>
+                            </m:r>
+                          </m:e>
+                        </m:d>
+                      </m:e>
+                    </m:func>
+                    <m:r>
+                      <a:rPr lang="fr-FR" i="1" smtClean="0">
+                        <a:latin typeface="Cambria Math" panose="02040503050406030204" pitchFamily="18" charset="0"/>
+                      </a:rPr>
+                      <m:t>=</m:t>
+                    </m:r>
+                    <m:r>
+                      <a:rPr lang="fr-FR" i="1" smtClean="0">
+                        <a:latin typeface="Cambria Math" panose="02040503050406030204" pitchFamily="18" charset="0"/>
+                      </a:rPr>
+                      <m:t>𝑃</m:t>
+                    </m:r>
+                    <m:d>
+                      <m:dPr>
+                        <m:begChr m:val="["/>
+                        <m:endChr m:val="]"/>
+                        <m:ctrlPr>
+                          <a:rPr lang="fr-FR" i="1">
+                            <a:latin typeface="Cambria Math" panose="02040503050406030204" pitchFamily="18" charset="0"/>
+                          </a:rPr>
+                        </m:ctrlPr>
+                      </m:dPr>
+                      <m:e>
+                        <m:r>
+                          <a:rPr lang="fr-FR" i="1">
+                            <a:latin typeface="Cambria Math" panose="02040503050406030204" pitchFamily="18" charset="0"/>
+                          </a:rPr>
+                          <m:t>𝑠</m:t>
+                        </m:r>
+                      </m:e>
+                    </m:d>
+                    <m:r>
+                      <a:rPr lang="fr-FR" b="0" i="1" smtClean="0">
+                        <a:latin typeface="Cambria Math" panose="02040503050406030204" pitchFamily="18" charset="0"/>
+                      </a:rPr>
+                      <m:t>+</m:t>
                     </m:r>
                     <m:r>
                       <a:rPr lang="fr-FR" b="0" i="1" smtClean="0">
                         <a:latin typeface="Cambria Math" panose="02040503050406030204" pitchFamily="18" charset="0"/>
                       </a:rPr>
-                      <m:t>𝑠</m:t>
+                      <m:t>𝑖𝑠</m:t>
                     </m:r>
                     <m:r>
+                      <m:rPr>
+                        <m:lit/>
+                      </m:rPr>
                       <a:rPr lang="fr-FR" b="0" i="1" smtClean="0">
                         <a:latin typeface="Cambria Math" panose="02040503050406030204" pitchFamily="18" charset="0"/>
                       </a:rPr>
-                      <m:t>]=</m:t>
+                      <m:t>_</m:t>
                     </m:r>
                     <m:r>
-                      <m:rPr>
-                        <m:sty m:val="p"/>
-                      </m:rPr>
-                      <a:rPr lang="fr-FR" b="0" i="0" smtClean="0">
+                      <a:rPr lang="fr-FR" i="1">
                         <a:latin typeface="Cambria Math" panose="02040503050406030204" pitchFamily="18" charset="0"/>
                       </a:rPr>
-                      <m:t>min</m:t>
-                    </m:r>
-                    <m:r>
-                      <a:rPr lang="fr-FR" b="0" i="1" smtClean="0">
-                        <a:latin typeface="Cambria Math" panose="02040503050406030204" pitchFamily="18" charset="0"/>
-                      </a:rPr>
-                      <m:t>⁡(</m:t>
-                    </m:r>
-                    <m:r>
-                      <a:rPr lang="fr-FR" b="0" i="1" smtClean="0">
-                        <a:latin typeface="Cambria Math" panose="02040503050406030204" pitchFamily="18" charset="0"/>
-                      </a:rPr>
-                      <m:t>𝑃</m:t>
+                      <m:t>𝑙𝑖𝑚𝑖𝑡𝑒𝑑</m:t>
                     </m:r>
                     <m:d>
                       <m:dPr>
@@ -5160,7 +6543,7 @@
                       <a:rPr lang="fr-FR" b="0" i="1" smtClean="0">
                         <a:latin typeface="Cambria Math" panose="02040503050406030204" pitchFamily="18" charset="0"/>
                       </a:rPr>
-                      <m:t>,</m:t>
+                      <m:t>⋅</m:t>
                     </m:r>
                     <m:r>
                       <a:rPr lang="fr-FR" b="0" i="1" smtClean="0">
@@ -5169,9 +6552,6 @@
                       <m:t>𝑝</m:t>
                     </m:r>
                     <m:r>
-                      <m:rPr>
-                        <m:lit/>
-                      </m:rPr>
                       <a:rPr lang="fr-FR" b="0" i="1" smtClean="0">
                         <a:latin typeface="Cambria Math" panose="02040503050406030204" pitchFamily="18" charset="0"/>
                       </a:rPr>
@@ -5183,28 +6563,29 @@
                       </a:rPr>
                       <m:t>𝑙𝑖𝑚</m:t>
                     </m:r>
-                    <m:r>
-                      <a:rPr lang="fr-FR" b="0" i="1" smtClean="0">
-                        <a:latin typeface="Cambria Math" panose="02040503050406030204" pitchFamily="18" charset="0"/>
-                      </a:rPr>
-                      <m:t>)</m:t>
-                    </m:r>
                   </m:oMath>
                 </a14:m>
                 <a:r>
                   <a:rPr lang="fr-FR" dirty="0" smtClean="0"/>
-                  <a:t> : la puissance réellement injectée par le groupe</a:t>
+                  <a:t>: la puissance réellement injectée par le groupe</a:t>
                 </a:r>
               </a:p>
               <a:p>
-                <a:pPr marL="285750" lvl="1" indent="-285750">
+                <a:pPr marL="285750" lvl="1" indent="-285750" algn="ctr">
                   <a:buFont typeface="Wingdings" panose="05000000000000000000" pitchFamily="2" charset="2"/>
                   <a:buChar char="Ø"/>
                 </a:pPr>
                 <a:r>
-                  <a:rPr lang="fr-FR" i="1" dirty="0" smtClean="0"/>
+                  <a:rPr lang="fr-FR" sz="1600" i="1" dirty="0" smtClean="0"/>
                   <a:t>Attention modèle non linéaire, beaucoup de variables entières</a:t>
                 </a:r>
+              </a:p>
+              <a:p>
+                <a:pPr marL="285750" lvl="1" indent="-285750" algn="ctr">
+                  <a:buFont typeface="Wingdings" panose="05000000000000000000" pitchFamily="2" charset="2"/>
+                  <a:buChar char="Ø"/>
+                </a:pPr>
+                <a:endParaRPr lang="fr-FR" sz="1600" i="1" dirty="0" smtClean="0"/>
               </a:p>
               <a:p>
                 <a:pPr lvl="1"/>
@@ -5314,7 +6695,7 @@
                 </a14:m>
                 <a:r>
                   <a:rPr lang="fr-FR" dirty="0" smtClean="0"/>
-                  <a:t> : la puissance écrêtée</a:t>
+                  <a:t> : la puissance écrêtée utilisée pour calculer les coûts</a:t>
                 </a:r>
               </a:p>
               <a:p>
@@ -5332,7 +6713,7 @@
             </p:txBody>
           </p:sp>
         </mc:Choice>
-        <mc:Fallback>
+        <mc:Fallback xmlns="">
           <p:sp>
             <p:nvSpPr>
               <p:cNvPr id="2" name="Espace réservé du contenu 1"/>
@@ -5346,12 +6727,12 @@
             <p:spPr>
               <a:xfrm>
                 <a:off x="594612" y="1019476"/>
-                <a:ext cx="8092188" cy="2857192"/>
+                <a:ext cx="8092188" cy="3477875"/>
               </a:xfrm>
               <a:blipFill rotWithShape="0">
                 <a:blip r:embed="rId2"/>
                 <a:stretch>
-                  <a:fillRect l="-1809" t="-2772" r="-1733" b="-4051"/>
+                  <a:fillRect l="-1809" t="-2277" r="-1733" b="-3152"/>
                 </a:stretch>
               </a:blipFill>
             </p:spPr>
@@ -5451,8 +6832,8 @@
           <a:chExt cx="0" cy="0"/>
         </a:xfrm>
       </p:grpSpPr>
-      <mc:AlternateContent xmlns:mc="http://schemas.openxmlformats.org/markup-compatibility/2006">
-        <mc:Choice xmlns:a14="http://schemas.microsoft.com/office/drawing/2010/main" Requires="a14">
+      <mc:AlternateContent xmlns:mc="http://schemas.openxmlformats.org/markup-compatibility/2006" xmlns:a14="http://schemas.microsoft.com/office/drawing/2010/main">
+        <mc:Choice Requires="a14">
           <p:sp>
             <p:nvSpPr>
               <p:cNvPr id="2" name="Espace réservé du contenu 1"/>
@@ -5466,7 +6847,7 @@
             <p:spPr>
               <a:xfrm>
                 <a:off x="594612" y="1019476"/>
-                <a:ext cx="8092188" cy="3539430"/>
+                <a:ext cx="8092188" cy="3816429"/>
               </a:xfrm>
             </p:spPr>
             <p:txBody>
@@ -5595,6 +6976,25 @@
                       </a:rPr>
                       <m:t>𝑖𝑚𝑝</m:t>
                     </m:r>
+                    <m:d>
+                      <m:dPr>
+                        <m:begChr m:val="["/>
+                        <m:endChr m:val="]"/>
+                        <m:ctrlPr>
+                          <a:rPr lang="fr-FR" b="0" i="1" smtClean="0">
+                            <a:latin typeface="Cambria Math" panose="02040503050406030204" pitchFamily="18" charset="0"/>
+                          </a:rPr>
+                        </m:ctrlPr>
+                      </m:dPr>
+                      <m:e>
+                        <m:r>
+                          <a:rPr lang="fr-FR" b="0" i="1" smtClean="0">
+                            <a:latin typeface="Cambria Math" panose="02040503050406030204" pitchFamily="18" charset="0"/>
+                          </a:rPr>
+                          <m:t>𝑠</m:t>
+                        </m:r>
+                      </m:e>
+                    </m:d>
                     <m:r>
                       <a:rPr lang="fr-FR" b="0" i="1" smtClean="0">
                         <a:latin typeface="Cambria Math" panose="02040503050406030204" pitchFamily="18" charset="0"/>
@@ -5685,7 +7085,7 @@
                 </a14:m>
                 <a:r>
                   <a:rPr lang="fr-FR" dirty="0" smtClean="0"/>
-                  <a:t>: l’écart de production</a:t>
+                  <a:t>: l’écart de production permettant de calculer les coûts d’imposition</a:t>
                 </a:r>
               </a:p>
               <a:p>
@@ -5780,6 +7180,12 @@
                       <a:rPr lang="fr-FR" b="0" i="1" smtClean="0">
                         <a:latin typeface="Cambria Math" panose="02040503050406030204" pitchFamily="18" charset="0"/>
                       </a:rPr>
+                      <m:t>⋅</m:t>
+                    </m:r>
+                    <m:r>
+                      <a:rPr lang="fr-FR" b="0" i="1" smtClean="0">
+                        <a:latin typeface="Cambria Math" panose="02040503050406030204" pitchFamily="18" charset="0"/>
+                      </a:rPr>
                       <m:t>𝑝</m:t>
                     </m:r>
                     <m:r>
@@ -5838,32 +7244,16 @@
                 </a14:m>
                 <a:r>
                   <a:rPr lang="fr-FR" b="0" dirty="0" smtClean="0"/>
-                  <a:t> : si le groupe </a:t>
-                </a:r>
-                <a:r>
-                  <a:rPr lang="fr-FR" b="0" dirty="0" smtClean="0"/>
-                  <a:t>est </a:t>
-                </a:r>
-                <a:r>
-                  <a:rPr lang="fr-FR" b="0" dirty="0" smtClean="0"/>
-                  <a:t>imposé, alors la valeur est la même pour tous les scénarios, si non on prend la donnée (et ça change en fonction du </a:t>
-                </a:r>
-                <a:r>
-                  <a:rPr lang="fr-FR" b="0" dirty="0" smtClean="0"/>
-                  <a:t>scénario</a:t>
-                </a:r>
-                <a:r>
-                  <a:rPr lang="fr-FR" b="0" dirty="0" smtClean="0"/>
-                  <a:t>)</a:t>
+                  <a:t> : si le groupe est imposé, alors la valeur est la même pour tous les scénarios, si non on prend la donnée (et ça change en fonction du scénario)</a:t>
                 </a:r>
               </a:p>
               <a:p>
-                <a:pPr marL="285750" lvl="1" indent="-285750">
+                <a:pPr marL="285750" lvl="1" indent="-285750" algn="ctr">
                   <a:buFont typeface="Wingdings" panose="05000000000000000000" pitchFamily="2" charset="2"/>
                   <a:buChar char="Ø"/>
                 </a:pPr>
                 <a:r>
-                  <a:rPr lang="fr-FR" i="1" dirty="0" smtClean="0"/>
+                  <a:rPr lang="fr-FR" sz="1600" i="1" dirty="0" smtClean="0"/>
                   <a:t>Le coût de démarrage est payé une fois pour tous les scénarios, les écarts sont payés en fonction de chaque scénario</a:t>
                 </a:r>
                 <a:endParaRPr lang="fr-FR" b="0" i="1" dirty="0" smtClean="0"/>
@@ -5883,7 +7273,7 @@
             </p:txBody>
           </p:sp>
         </mc:Choice>
-        <mc:Fallback>
+        <mc:Fallback xmlns="">
           <p:sp>
             <p:nvSpPr>
               <p:cNvPr id="2" name="Espace réservé du contenu 1"/>
@@ -5897,12 +7287,12 @@
             <p:spPr>
               <a:xfrm>
                 <a:off x="594612" y="1019476"/>
-                <a:ext cx="8092188" cy="3539430"/>
+                <a:ext cx="8092188" cy="3816429"/>
               </a:xfrm>
               <a:blipFill rotWithShape="0">
                 <a:blip r:embed="rId2"/>
                 <a:stretch>
-                  <a:fillRect l="-1809" t="-2238" r="-1733"/>
+                  <a:fillRect l="-1809" t="-2077" r="-1733"/>
                 </a:stretch>
               </a:blipFill>
             </p:spPr>
@@ -6300,7 +7690,7 @@
                                 <a:rPr lang="fr-FR" b="0" i="1" smtClean="0">
                                   <a:latin typeface="Cambria Math" panose="02040503050406030204" pitchFamily="18" charset="0"/>
                                 </a:rPr>
-                                <m:t>⋅</m:t>
+                                <m:t>⋅(</m:t>
                               </m:r>
                               <m:r>
                                 <a:rPr lang="fr-FR" i="1">
@@ -6327,6 +7717,55 @@
                                   </m:r>
                                 </m:e>
                               </m:d>
+                              <m:r>
+                                <a:rPr lang="fr-FR" b="0" i="1" smtClean="0">
+                                  <a:latin typeface="Cambria Math" panose="02040503050406030204" pitchFamily="18" charset="0"/>
+                                </a:rPr>
+                                <m:t>−</m:t>
+                              </m:r>
+                              <m:r>
+                                <a:rPr lang="fr-FR" b="0" i="1" smtClean="0">
+                                  <a:latin typeface="Cambria Math" panose="02040503050406030204" pitchFamily="18" charset="0"/>
+                                </a:rPr>
+                                <m:t>𝑙𝑜𝑎𝑑</m:t>
+                              </m:r>
+                              <m:d>
+                                <m:dPr>
+                                  <m:begChr m:val="["/>
+                                  <m:endChr m:val="]"/>
+                                  <m:ctrlPr>
+                                    <a:rPr lang="fr-FR" b="0" i="1" smtClean="0">
+                                      <a:latin typeface="Cambria Math" panose="02040503050406030204" pitchFamily="18" charset="0"/>
+                                    </a:rPr>
+                                  </m:ctrlPr>
+                                </m:dPr>
+                                <m:e>
+                                  <m:r>
+                                    <a:rPr lang="fr-FR" b="0" i="1" smtClean="0">
+                                      <a:latin typeface="Cambria Math" panose="02040503050406030204" pitchFamily="18" charset="0"/>
+                                    </a:rPr>
+                                    <m:t>𝑏𝑢𝑠</m:t>
+                                  </m:r>
+                                  <m:r>
+                                    <a:rPr lang="fr-FR" b="0" i="1" smtClean="0">
+                                      <a:latin typeface="Cambria Math" panose="02040503050406030204" pitchFamily="18" charset="0"/>
+                                    </a:rPr>
+                                    <m:t>,</m:t>
+                                  </m:r>
+                                  <m:r>
+                                    <a:rPr lang="fr-FR" b="0" i="1" smtClean="0">
+                                      <a:latin typeface="Cambria Math" panose="02040503050406030204" pitchFamily="18" charset="0"/>
+                                    </a:rPr>
+                                    <m:t>𝑠</m:t>
+                                  </m:r>
+                                </m:e>
+                              </m:d>
+                              <m:r>
+                                <a:rPr lang="fr-FR" b="0" i="1" smtClean="0">
+                                  <a:latin typeface="Cambria Math" panose="02040503050406030204" pitchFamily="18" charset="0"/>
+                                </a:rPr>
+                                <m:t>)</m:t>
+                              </m:r>
                             </m:e>
                           </m:nary>
                         </m:e>

--- a/pscopf.pptx
+++ b/pscopf.pptx
@@ -221,7 +221,7 @@
           <a:p>
             <a:fld id="{760854E3-1497-0744-B040-5DF6365302EA}" type="datetimeFigureOut">
               <a:rPr lang="fr-FR" smtClean="0"/>
-              <a:t>09/12/2021</a:t>
+              <a:t>17/01/2022</a:t>
             </a:fld>
             <a:endParaRPr lang="fr-FR"/>
           </a:p>
@@ -387,7 +387,7 @@
           <a:p>
             <a:fld id="{A1E22894-B65C-E342-8D31-57D034836A37}" type="datetimeFigureOut">
               <a:rPr lang="fr-FR" smtClean="0"/>
-              <a:t>09/12/2021</a:t>
+              <a:t>17/01/2022</a:t>
             </a:fld>
             <a:endParaRPr lang="fr-FR"/>
           </a:p>
@@ -4018,7 +4018,7 @@
             </p:spPr>
             <p:txBody>
               <a:bodyPr>
-                <a:normAutofit fontScale="77500" lnSpcReduction="20000"/>
+                <a:normAutofit fontScale="62500" lnSpcReduction="20000"/>
               </a:bodyPr>
               <a:lstStyle/>
               <a:p>
@@ -4366,126 +4366,215 @@
                           </m:mr>
                           <m:mr>
                             <m:e>
-                              <m:d>
-                                <m:dPr>
+                              <m:eqArr>
+                                <m:eqArrPr>
                                   <m:ctrlPr>
+                                    <a:rPr lang="fr-FR" i="1" smtClean="0">
+                                      <a:latin typeface="Cambria Math" panose="02040503050406030204" pitchFamily="18" charset="0"/>
+                                    </a:rPr>
+                                  </m:ctrlPr>
+                                </m:eqArrPr>
+                                <m:e>
+                                  <m:d>
+                                    <m:dPr>
+                                      <m:ctrlPr>
+                                        <a:rPr lang="fr-FR" i="1" smtClean="0">
+                                          <a:latin typeface="Cambria Math" panose="02040503050406030204" pitchFamily="18" charset="0"/>
+                                        </a:rPr>
+                                      </m:ctrlPr>
+                                    </m:dPr>
+                                    <m:e>
+                                      <m:sSub>
+                                        <m:sSubPr>
+                                          <m:ctrlPr>
+                                            <a:rPr lang="fr-FR" i="1">
+                                              <a:latin typeface="Cambria Math" panose="02040503050406030204" pitchFamily="18" charset="0"/>
+                                            </a:rPr>
+                                          </m:ctrlPr>
+                                        </m:sSubPr>
+                                        <m:e>
+                                          <m:r>
+                                            <a:rPr lang="fr-FR" i="1">
+                                              <a:latin typeface="Cambria Math" panose="02040503050406030204" pitchFamily="18" charset="0"/>
+                                            </a:rPr>
+                                            <m:t>𝑥</m:t>
+                                          </m:r>
+                                        </m:e>
+                                        <m:sub>
+                                          <m:r>
+                                            <a:rPr lang="fr-FR" i="1">
+                                              <a:latin typeface="Cambria Math" panose="02040503050406030204" pitchFamily="18" charset="0"/>
+                                            </a:rPr>
+                                            <m:t>𝐼𝑁</m:t>
+                                          </m:r>
+                                        </m:sub>
+                                      </m:sSub>
+                                    </m:e>
+                                  </m:d>
+                                  <m:r>
                                     <a:rPr lang="fr-FR" i="1">
                                       <a:latin typeface="Cambria Math" panose="02040503050406030204" pitchFamily="18" charset="0"/>
                                     </a:rPr>
-                                  </m:ctrlPr>
-                                </m:dPr>
-                                <m:e>
-                                  <m:sSub>
-                                    <m:sSubPr>
+                                    <m:t>⋅</m:t>
+                                  </m:r>
+                                  <m:r>
+                                    <a:rPr lang="fr-FR" i="1" smtClean="0">
+                                      <a:solidFill>
+                                        <a:schemeClr val="tx1"/>
+                                      </a:solidFill>
+                                      <a:latin typeface="Cambria Math" panose="02040503050406030204" pitchFamily="18" charset="0"/>
+                                    </a:rPr>
+                                    <m:t>𝑝𝑀𝑎𝑥</m:t>
+                                  </m:r>
+                                  <m:r>
+                                    <a:rPr lang="fr-FR" b="0" i="1" smtClean="0">
+                                      <a:solidFill>
+                                        <a:schemeClr val="tx1"/>
+                                      </a:solidFill>
+                                      <a:latin typeface="Cambria Math" panose="02040503050406030204" pitchFamily="18" charset="0"/>
+                                    </a:rPr>
+                                    <m:t>+</m:t>
+                                  </m:r>
+                                  <m:d>
+                                    <m:dPr>
+                                      <m:ctrlPr>
+                                        <a:rPr lang="fr-FR" i="1">
+                                          <a:solidFill>
+                                            <a:schemeClr val="tx1"/>
+                                          </a:solidFill>
+                                          <a:latin typeface="Cambria Math" panose="02040503050406030204" pitchFamily="18" charset="0"/>
+                                        </a:rPr>
+                                      </m:ctrlPr>
+                                    </m:dPr>
+                                    <m:e>
+                                      <m:sSub>
+                                        <m:sSubPr>
+                                          <m:ctrlPr>
+                                            <a:rPr lang="fr-FR" i="1">
+                                              <a:solidFill>
+                                                <a:schemeClr val="tx1"/>
+                                              </a:solidFill>
+                                              <a:latin typeface="Cambria Math" panose="02040503050406030204" pitchFamily="18" charset="0"/>
+                                            </a:rPr>
+                                          </m:ctrlPr>
+                                        </m:sSubPr>
+                                        <m:e>
+                                          <m:r>
+                                            <a:rPr lang="fr-FR" i="1">
+                                              <a:solidFill>
+                                                <a:schemeClr val="tx1"/>
+                                              </a:solidFill>
+                                              <a:latin typeface="Cambria Math" panose="02040503050406030204" pitchFamily="18" charset="0"/>
+                                            </a:rPr>
+                                            <m:t>𝑥</m:t>
+                                          </m:r>
+                                        </m:e>
+                                        <m:sub>
+                                          <m:r>
+                                            <a:rPr lang="fr-FR" i="1">
+                                              <a:solidFill>
+                                                <a:schemeClr val="tx1"/>
+                                              </a:solidFill>
+                                              <a:latin typeface="Cambria Math" panose="02040503050406030204" pitchFamily="18" charset="0"/>
+                                            </a:rPr>
+                                            <m:t>𝑀𝐴𝑅𝐺𝐼𝑁𝐴𝐿</m:t>
+                                          </m:r>
+                                        </m:sub>
+                                      </m:sSub>
+                                    </m:e>
+                                  </m:d>
+                                  <m:r>
+                                    <a:rPr lang="fr-FR" i="1">
+                                      <a:solidFill>
+                                        <a:schemeClr val="tx1"/>
+                                      </a:solidFill>
+                                      <a:latin typeface="Cambria Math" panose="02040503050406030204" pitchFamily="18" charset="0"/>
+                                    </a:rPr>
+                                    <m:t>⋅</m:t>
+                                  </m:r>
+                                  <m:r>
+                                    <a:rPr lang="fr-FR" i="1">
+                                      <a:solidFill>
+                                        <a:schemeClr val="tx1"/>
+                                      </a:solidFill>
+                                      <a:latin typeface="Cambria Math" panose="02040503050406030204" pitchFamily="18" charset="0"/>
+                                    </a:rPr>
+                                    <m:t>𝑝𝑀𝑖𝑛</m:t>
+                                  </m:r>
+                                  <m:r>
+                                    <a:rPr lang="fr-FR" i="1">
+                                      <a:latin typeface="Cambria Math" panose="02040503050406030204" pitchFamily="18" charset="0"/>
+                                    </a:rPr>
+                                    <m:t>≤</m:t>
+                                  </m:r>
+                                  <m:r>
+                                    <a:rPr lang="fr-FR" b="0" i="1" smtClean="0">
+                                      <a:latin typeface="Cambria Math" panose="02040503050406030204" pitchFamily="18" charset="0"/>
+                                    </a:rPr>
+                                    <m:t>𝑝𝑟𝑜𝑑</m:t>
+                                  </m:r>
+                                  <m:r>
+                                    <a:rPr lang="fr-FR" i="1">
+                                      <a:latin typeface="Cambria Math" panose="02040503050406030204" pitchFamily="18" charset="0"/>
+                                    </a:rPr>
+                                    <m:t>≤</m:t>
+                                  </m:r>
+                                  <m:d>
+                                    <m:dPr>
                                       <m:ctrlPr>
                                         <a:rPr lang="fr-FR" i="1">
                                           <a:latin typeface="Cambria Math" panose="02040503050406030204" pitchFamily="18" charset="0"/>
                                         </a:rPr>
                                       </m:ctrlPr>
-                                    </m:sSubPr>
+                                    </m:dPr>
                                     <m:e>
-                                      <m:r>
-                                        <a:rPr lang="fr-FR" i="1">
-                                          <a:latin typeface="Cambria Math" panose="02040503050406030204" pitchFamily="18" charset="0"/>
-                                        </a:rPr>
-                                        <m:t>𝑥</m:t>
-                                      </m:r>
+                                      <m:sSub>
+                                        <m:sSubPr>
+                                          <m:ctrlPr>
+                                            <a:rPr lang="fr-FR" i="1">
+                                              <a:latin typeface="Cambria Math" panose="02040503050406030204" pitchFamily="18" charset="0"/>
+                                            </a:rPr>
+                                          </m:ctrlPr>
+                                        </m:sSubPr>
+                                        <m:e>
+                                          <m:r>
+                                            <a:rPr lang="fr-FR" i="1">
+                                              <a:latin typeface="Cambria Math" panose="02040503050406030204" pitchFamily="18" charset="0"/>
+                                            </a:rPr>
+                                            <m:t>1−</m:t>
+                                          </m:r>
+                                          <m:r>
+                                            <a:rPr lang="fr-FR" i="1">
+                                              <a:latin typeface="Cambria Math" panose="02040503050406030204" pitchFamily="18" charset="0"/>
+                                            </a:rPr>
+                                            <m:t>𝑥</m:t>
+                                          </m:r>
+                                        </m:e>
+                                        <m:sub>
+                                          <m:r>
+                                            <a:rPr lang="fr-FR" i="1">
+                                              <a:latin typeface="Cambria Math" panose="02040503050406030204" pitchFamily="18" charset="0"/>
+                                            </a:rPr>
+                                            <m:t>𝑂𝑈𝑇</m:t>
+                                          </m:r>
+                                        </m:sub>
+                                      </m:sSub>
                                     </m:e>
-                                    <m:sub>
-                                      <m:r>
-                                        <a:rPr lang="fr-FR" i="1">
-                                          <a:latin typeface="Cambria Math" panose="02040503050406030204" pitchFamily="18" charset="0"/>
-                                        </a:rPr>
-                                        <m:t>𝐼𝑁</m:t>
-                                      </m:r>
-                                    </m:sub>
-                                  </m:sSub>
-                                </m:e>
-                              </m:d>
-                              <m:r>
-                                <a:rPr lang="fr-FR" i="1">
-                                  <a:latin typeface="Cambria Math" panose="02040503050406030204" pitchFamily="18" charset="0"/>
-                                </a:rPr>
-                                <m:t>⋅</m:t>
-                              </m:r>
-                              <m:r>
-                                <a:rPr lang="fr-FR" i="1">
-                                  <a:latin typeface="Cambria Math" panose="02040503050406030204" pitchFamily="18" charset="0"/>
-                                </a:rPr>
-                                <m:t>𝑝𝑀𝑎𝑥</m:t>
-                              </m:r>
-                              <m:r>
-                                <a:rPr lang="fr-FR" i="1">
-                                  <a:latin typeface="Cambria Math" panose="02040503050406030204" pitchFamily="18" charset="0"/>
-                                </a:rPr>
-                                <m:t>≤</m:t>
-                              </m:r>
-                              <m:r>
-                                <a:rPr lang="fr-FR" b="0" i="1" smtClean="0">
-                                  <a:latin typeface="Cambria Math" panose="02040503050406030204" pitchFamily="18" charset="0"/>
-                                </a:rPr>
-                                <m:t>𝑝𝑟𝑜𝑑</m:t>
-                              </m:r>
-                              <m:r>
-                                <a:rPr lang="fr-FR" i="1">
-                                  <a:latin typeface="Cambria Math" panose="02040503050406030204" pitchFamily="18" charset="0"/>
-                                </a:rPr>
-                                <m:t>≤</m:t>
-                              </m:r>
-                              <m:d>
-                                <m:dPr>
-                                  <m:ctrlPr>
+                                  </m:d>
+                                  <m:r>
                                     <a:rPr lang="fr-FR" i="1">
                                       <a:latin typeface="Cambria Math" panose="02040503050406030204" pitchFamily="18" charset="0"/>
                                     </a:rPr>
-                                  </m:ctrlPr>
-                                </m:dPr>
-                                <m:e>
-                                  <m:sSub>
-                                    <m:sSubPr>
-                                      <m:ctrlPr>
-                                        <a:rPr lang="fr-FR" i="1">
-                                          <a:latin typeface="Cambria Math" panose="02040503050406030204" pitchFamily="18" charset="0"/>
-                                        </a:rPr>
-                                      </m:ctrlPr>
-                                    </m:sSubPr>
-                                    <m:e>
-                                      <m:r>
-                                        <a:rPr lang="fr-FR" i="1">
-                                          <a:latin typeface="Cambria Math" panose="02040503050406030204" pitchFamily="18" charset="0"/>
-                                        </a:rPr>
-                                        <m:t>1−</m:t>
-                                      </m:r>
-                                      <m:r>
-                                        <a:rPr lang="fr-FR" i="1">
-                                          <a:latin typeface="Cambria Math" panose="02040503050406030204" pitchFamily="18" charset="0"/>
-                                        </a:rPr>
-                                        <m:t>𝑥</m:t>
-                                      </m:r>
-                                    </m:e>
-                                    <m:sub>
-                                      <m:r>
-                                        <a:rPr lang="fr-FR" i="1">
-                                          <a:latin typeface="Cambria Math" panose="02040503050406030204" pitchFamily="18" charset="0"/>
-                                        </a:rPr>
-                                        <m:t>𝑂𝑈𝑇</m:t>
-                                      </m:r>
-                                    </m:sub>
-                                  </m:sSub>
+                                    <m:t>⋅</m:t>
+                                  </m:r>
+                                  <m:r>
+                                    <a:rPr lang="fr-FR" i="1">
+                                      <a:latin typeface="Cambria Math" panose="02040503050406030204" pitchFamily="18" charset="0"/>
+                                    </a:rPr>
+                                    <m:t>𝑝𝑀𝑎𝑥</m:t>
+                                  </m:r>
                                 </m:e>
-                              </m:d>
-                              <m:r>
-                                <a:rPr lang="fr-FR" i="1">
-                                  <a:latin typeface="Cambria Math" panose="02040503050406030204" pitchFamily="18" charset="0"/>
-                                </a:rPr>
-                                <m:t>⋅</m:t>
-                              </m:r>
-                              <m:r>
-                                <a:rPr lang="fr-FR" i="1">
-                                  <a:latin typeface="Cambria Math" panose="02040503050406030204" pitchFamily="18" charset="0"/>
-                                </a:rPr>
-                                <m:t>𝑝𝑀𝑎𝑥</m:t>
-                              </m:r>
+                              </m:eqArr>
                             </m:e>
                           </m:mr>
                           <m:mr>
@@ -4499,289 +4588,316 @@
                                   </m:ctrlPr>
                                 </m:eqArrPr>
                                 <m:e>
-                                  <m:sSub>
-                                    <m:sSubPr>
+                                  <m:eqArr>
+                                    <m:eqArrPr>
                                       <m:ctrlPr>
                                         <a:rPr lang="fr-FR" i="1">
                                           <a:latin typeface="Cambria Math" panose="02040503050406030204" pitchFamily="18" charset="0"/>
                                         </a:rPr>
                                       </m:ctrlPr>
-                                    </m:sSubPr>
+                                    </m:eqArrPr>
                                     <m:e>
+                                      <m:sSub>
+                                        <m:sSubPr>
+                                          <m:ctrlPr>
+                                            <a:rPr lang="fr-FR" i="1">
+                                              <a:latin typeface="Cambria Math" panose="02040503050406030204" pitchFamily="18" charset="0"/>
+                                            </a:rPr>
+                                          </m:ctrlPr>
+                                        </m:sSubPr>
+                                        <m:e>
+                                          <m:r>
+                                            <a:rPr lang="fr-FR" i="1">
+                                              <a:latin typeface="Cambria Math" panose="02040503050406030204" pitchFamily="18" charset="0"/>
+                                            </a:rPr>
+                                            <m:t>𝑥</m:t>
+                                          </m:r>
+                                        </m:e>
+                                        <m:sub>
+                                          <m:r>
+                                            <a:rPr lang="fr-FR" i="1">
+                                              <a:latin typeface="Cambria Math" panose="02040503050406030204" pitchFamily="18" charset="0"/>
+                                            </a:rPr>
+                                            <m:t>𝐼𝑁</m:t>
+                                          </m:r>
+                                        </m:sub>
+                                      </m:sSub>
                                       <m:r>
                                         <a:rPr lang="fr-FR" i="1">
                                           <a:latin typeface="Cambria Math" panose="02040503050406030204" pitchFamily="18" charset="0"/>
                                         </a:rPr>
-                                        <m:t>𝑥</m:t>
+                                        <m:t>+</m:t>
                                       </m:r>
-                                    </m:e>
-                                    <m:sub>
+                                      <m:sSub>
+                                        <m:sSubPr>
+                                          <m:ctrlPr>
+                                            <a:rPr lang="fr-FR" i="1">
+                                              <a:latin typeface="Cambria Math" panose="02040503050406030204" pitchFamily="18" charset="0"/>
+                                            </a:rPr>
+                                          </m:ctrlPr>
+                                        </m:sSubPr>
+                                        <m:e>
+                                          <m:r>
+                                            <a:rPr lang="fr-FR" i="1">
+                                              <a:latin typeface="Cambria Math" panose="02040503050406030204" pitchFamily="18" charset="0"/>
+                                            </a:rPr>
+                                            <m:t>𝑥</m:t>
+                                          </m:r>
+                                        </m:e>
+                                        <m:sub>
+                                          <m:r>
+                                            <a:rPr lang="fr-FR" i="1">
+                                              <a:latin typeface="Cambria Math" panose="02040503050406030204" pitchFamily="18" charset="0"/>
+                                            </a:rPr>
+                                            <m:t>𝑀𝐴𝑅𝐺𝐼𝑁𝐴𝐿</m:t>
+                                          </m:r>
+                                        </m:sub>
+                                      </m:sSub>
                                       <m:r>
                                         <a:rPr lang="fr-FR" i="1">
                                           <a:latin typeface="Cambria Math" panose="02040503050406030204" pitchFamily="18" charset="0"/>
                                         </a:rPr>
-                                        <m:t>𝐼𝑁</m:t>
+                                        <m:t>+</m:t>
                                       </m:r>
-                                    </m:sub>
-                                  </m:sSub>
-                                  <m:r>
-                                    <a:rPr lang="fr-FR" i="1">
-                                      <a:latin typeface="Cambria Math" panose="02040503050406030204" pitchFamily="18" charset="0"/>
-                                    </a:rPr>
-                                    <m:t>+</m:t>
-                                  </m:r>
-                                  <m:sSub>
-                                    <m:sSubPr>
-                                      <m:ctrlPr>
-                                        <a:rPr lang="fr-FR" i="1">
-                                          <a:latin typeface="Cambria Math" panose="02040503050406030204" pitchFamily="18" charset="0"/>
-                                        </a:rPr>
-                                      </m:ctrlPr>
-                                    </m:sSubPr>
-                                    <m:e>
+                                      <m:sSub>
+                                        <m:sSubPr>
+                                          <m:ctrlPr>
+                                            <a:rPr lang="fr-FR" i="1">
+                                              <a:latin typeface="Cambria Math" panose="02040503050406030204" pitchFamily="18" charset="0"/>
+                                            </a:rPr>
+                                          </m:ctrlPr>
+                                        </m:sSubPr>
+                                        <m:e>
+                                          <m:r>
+                                            <a:rPr lang="fr-FR" i="1">
+                                              <a:latin typeface="Cambria Math" panose="02040503050406030204" pitchFamily="18" charset="0"/>
+                                            </a:rPr>
+                                            <m:t>𝑥</m:t>
+                                          </m:r>
+                                        </m:e>
+                                        <m:sub>
+                                          <m:r>
+                                            <a:rPr lang="fr-FR" i="1">
+                                              <a:latin typeface="Cambria Math" panose="02040503050406030204" pitchFamily="18" charset="0"/>
+                                            </a:rPr>
+                                            <m:t>𝑂𝑈𝑇</m:t>
+                                          </m:r>
+                                        </m:sub>
+                                      </m:sSub>
                                       <m:r>
                                         <a:rPr lang="fr-FR" i="1">
                                           <a:latin typeface="Cambria Math" panose="02040503050406030204" pitchFamily="18" charset="0"/>
                                         </a:rPr>
-                                        <m:t>𝑥</m:t>
+                                        <m:t>=1</m:t>
                                       </m:r>
                                     </m:e>
-                                    <m:sub>
+                                    <m:e>
+                                      <m:nary>
+                                        <m:naryPr>
+                                          <m:chr m:val="∑"/>
+                                          <m:subHide m:val="on"/>
+                                          <m:supHide m:val="on"/>
+                                          <m:ctrlPr>
+                                            <a:rPr lang="fr-FR" i="1">
+                                              <a:latin typeface="Cambria Math" panose="02040503050406030204" pitchFamily="18" charset="0"/>
+                                            </a:rPr>
+                                          </m:ctrlPr>
+                                        </m:naryPr>
+                                        <m:sub/>
+                                        <m:sup/>
+                                        <m:e>
+                                          <m:r>
+                                            <a:rPr lang="fr-FR" i="1">
+                                              <a:latin typeface="Cambria Math" panose="02040503050406030204" pitchFamily="18" charset="0"/>
+                                            </a:rPr>
+                                            <m:t>𝑝</m:t>
+                                          </m:r>
+                                          <m:r>
+                                            <a:rPr lang="fr-FR" b="0" i="1" smtClean="0">
+                                              <a:latin typeface="Cambria Math" panose="02040503050406030204" pitchFamily="18" charset="0"/>
+                                            </a:rPr>
+                                            <m:t>𝑟𝑜𝑑</m:t>
+                                          </m:r>
+                                        </m:e>
+                                      </m:nary>
                                       <m:r>
-                                        <a:rPr lang="fr-FR" i="1">
+                                        <a:rPr lang="fr-FR" b="0" i="1" smtClean="0">
                                           <a:latin typeface="Cambria Math" panose="02040503050406030204" pitchFamily="18" charset="0"/>
                                         </a:rPr>
-                                        <m:t>𝑀𝐴𝑅𝐺𝐼𝑁𝐴𝐿</m:t>
+                                        <m:t>≥</m:t>
                                       </m:r>
-                                    </m:sub>
-                                  </m:sSub>
-                                  <m:r>
-                                    <a:rPr lang="fr-FR" i="1">
-                                      <a:latin typeface="Cambria Math" panose="02040503050406030204" pitchFamily="18" charset="0"/>
-                                    </a:rPr>
-                                    <m:t>+</m:t>
-                                  </m:r>
-                                  <m:sSub>
-                                    <m:sSubPr>
-                                      <m:ctrlPr>
-                                        <a:rPr lang="fr-FR" i="1">
+                                      <m:nary>
+                                        <m:naryPr>
+                                          <m:chr m:val="∑"/>
+                                          <m:subHide m:val="on"/>
+                                          <m:supHide m:val="on"/>
+                                          <m:ctrlPr>
+                                            <a:rPr lang="fr-FR" b="0" i="1" smtClean="0">
+                                              <a:latin typeface="Cambria Math" panose="02040503050406030204" pitchFamily="18" charset="0"/>
+                                            </a:rPr>
+                                          </m:ctrlPr>
+                                        </m:naryPr>
+                                        <m:sub/>
+                                        <m:sup/>
+                                        <m:e>
+                                          <m:r>
+                                            <a:rPr lang="fr-FR" b="0" i="1" smtClean="0">
+                                              <a:latin typeface="Cambria Math" panose="02040503050406030204" pitchFamily="18" charset="0"/>
+                                            </a:rPr>
+                                            <m:t>𝑢</m:t>
+                                          </m:r>
+                                        </m:e>
+                                      </m:nary>
+                                    </m:e>
+                                    <m:e>
+                                      <m:sSubSup>
+                                        <m:sSubSupPr>
+                                          <m:ctrlPr>
+                                            <a:rPr lang="fr-FR" i="1">
+                                              <a:latin typeface="Cambria Math" panose="02040503050406030204" pitchFamily="18" charset="0"/>
+                                            </a:rPr>
+                                          </m:ctrlPr>
+                                        </m:sSubSupPr>
+                                        <m:e>
+                                          <m:r>
+                                            <a:rPr lang="fr-FR" i="1">
+                                              <a:latin typeface="Cambria Math" panose="02040503050406030204" pitchFamily="18" charset="0"/>
+                                            </a:rPr>
+                                            <m:t>𝑥</m:t>
+                                          </m:r>
+                                        </m:e>
+                                        <m:sub>
+                                          <m:r>
+                                            <a:rPr lang="fr-FR" i="1">
+                                              <a:latin typeface="Cambria Math" panose="02040503050406030204" pitchFamily="18" charset="0"/>
+                                            </a:rPr>
+                                            <m:t>𝐼𝑁</m:t>
+                                          </m:r>
+                                        </m:sub>
+                                        <m:sup>
+                                          <m:r>
+                                            <a:rPr lang="fr-FR" i="1">
+                                              <a:latin typeface="Cambria Math" panose="02040503050406030204" pitchFamily="18" charset="0"/>
+                                            </a:rPr>
+                                            <m:t>𝑖</m:t>
+                                          </m:r>
+                                        </m:sup>
+                                      </m:sSubSup>
+                                      <m:r>
+                                        <a:rPr lang="fr-FR" b="0" i="1" smtClean="0">
                                           <a:latin typeface="Cambria Math" panose="02040503050406030204" pitchFamily="18" charset="0"/>
                                         </a:rPr>
-                                      </m:ctrlPr>
-                                    </m:sSubPr>
-                                    <m:e>
+                                        <m:t>≤</m:t>
+                                      </m:r>
+                                      <m:sSubSup>
+                                        <m:sSubSupPr>
+                                          <m:ctrlPr>
+                                            <a:rPr lang="fr-FR" i="1">
+                                              <a:latin typeface="Cambria Math" panose="02040503050406030204" pitchFamily="18" charset="0"/>
+                                            </a:rPr>
+                                          </m:ctrlPr>
+                                        </m:sSubSupPr>
+                                        <m:e>
+                                          <m:r>
+                                            <a:rPr lang="fr-FR" i="1">
+                                              <a:latin typeface="Cambria Math" panose="02040503050406030204" pitchFamily="18" charset="0"/>
+                                            </a:rPr>
+                                            <m:t>𝑥</m:t>
+                                          </m:r>
+                                        </m:e>
+                                        <m:sub>
+                                          <m:r>
+                                            <a:rPr lang="fr-FR" i="1">
+                                              <a:latin typeface="Cambria Math" panose="02040503050406030204" pitchFamily="18" charset="0"/>
+                                            </a:rPr>
+                                            <m:t>𝐼𝑁</m:t>
+                                          </m:r>
+                                        </m:sub>
+                                        <m:sup>
+                                          <m:r>
+                                            <a:rPr lang="fr-FR" b="0" i="1" smtClean="0">
+                                              <a:latin typeface="Cambria Math" panose="02040503050406030204" pitchFamily="18" charset="0"/>
+                                            </a:rPr>
+                                            <m:t>𝑗</m:t>
+                                          </m:r>
+                                        </m:sup>
+                                      </m:sSubSup>
                                       <m:r>
-                                        <a:rPr lang="fr-FR" i="1">
+                                        <a:rPr lang="fr-FR" b="0" i="1" smtClean="0">
                                           <a:latin typeface="Cambria Math" panose="02040503050406030204" pitchFamily="18" charset="0"/>
                                         </a:rPr>
-                                        <m:t>𝑥</m:t>
-                                      </m:r>
-                                    </m:e>
-                                    <m:sub>
-                                      <m:r>
-                                        <a:rPr lang="fr-FR" i="1">
-                                          <a:latin typeface="Cambria Math" panose="02040503050406030204" pitchFamily="18" charset="0"/>
-                                        </a:rPr>
-                                        <m:t>𝑂𝑈𝑇</m:t>
-                                      </m:r>
-                                    </m:sub>
-                                  </m:sSub>
-                                  <m:r>
-                                    <a:rPr lang="fr-FR" i="1">
-                                      <a:latin typeface="Cambria Math" panose="02040503050406030204" pitchFamily="18" charset="0"/>
-                                    </a:rPr>
-                                    <m:t>=1</m:t>
-                                  </m:r>
-                                </m:e>
-                                <m:e>
-                                  <m:nary>
-                                    <m:naryPr>
-                                      <m:chr m:val="∑"/>
-                                      <m:subHide m:val="on"/>
-                                      <m:supHide m:val="on"/>
-                                      <m:ctrlPr>
-                                        <a:rPr lang="fr-FR" i="1">
-                                          <a:latin typeface="Cambria Math" panose="02040503050406030204" pitchFamily="18" charset="0"/>
-                                        </a:rPr>
-                                      </m:ctrlPr>
-                                    </m:naryPr>
-                                    <m:sub/>
-                                    <m:sup/>
-                                    <m:e>
-                                      <m:r>
-                                        <a:rPr lang="fr-FR" i="1">
-                                          <a:latin typeface="Cambria Math" panose="02040503050406030204" pitchFamily="18" charset="0"/>
-                                        </a:rPr>
-                                        <m:t>𝑝</m:t>
+                                        <m:t> </m:t>
                                       </m:r>
                                       <m:r>
                                         <a:rPr lang="fr-FR" b="0" i="1" smtClean="0">
                                           <a:latin typeface="Cambria Math" panose="02040503050406030204" pitchFamily="18" charset="0"/>
                                         </a:rPr>
-                                        <m:t>𝑟𝑜𝑑</m:t>
+                                        <m:t>𝑖𝑓</m:t>
                                       </m:r>
-                                    </m:e>
-                                  </m:nary>
-                                  <m:r>
-                                    <a:rPr lang="fr-FR" i="1">
-                                      <a:latin typeface="Cambria Math" panose="02040503050406030204" pitchFamily="18" charset="0"/>
-                                    </a:rPr>
-                                    <m:t>=</m:t>
-                                  </m:r>
-                                  <m:r>
-                                    <a:rPr lang="fr-FR" i="1">
-                                      <a:latin typeface="Cambria Math" panose="02040503050406030204" pitchFamily="18" charset="0"/>
-                                    </a:rPr>
-                                    <m:t>𝑢</m:t>
-                                  </m:r>
-                                </m:e>
-                                <m:e>
-                                  <m:sSubSup>
-                                    <m:sSubSupPr>
-                                      <m:ctrlPr>
-                                        <a:rPr lang="fr-FR" i="1">
-                                          <a:latin typeface="Cambria Math" panose="02040503050406030204" pitchFamily="18" charset="0"/>
-                                        </a:rPr>
-                                      </m:ctrlPr>
-                                    </m:sSubSupPr>
-                                    <m:e>
-                                      <m:r>
-                                        <a:rPr lang="fr-FR" i="1">
-                                          <a:latin typeface="Cambria Math" panose="02040503050406030204" pitchFamily="18" charset="0"/>
-                                        </a:rPr>
-                                        <m:t>𝑥</m:t>
-                                      </m:r>
-                                    </m:e>
-                                    <m:sub>
-                                      <m:r>
-                                        <a:rPr lang="fr-FR" i="1">
-                                          <a:latin typeface="Cambria Math" panose="02040503050406030204" pitchFamily="18" charset="0"/>
-                                        </a:rPr>
-                                        <m:t>𝐼𝑁</m:t>
-                                      </m:r>
-                                    </m:sub>
-                                    <m:sup>
-                                      <m:r>
-                                        <a:rPr lang="fr-FR" i="1">
-                                          <a:latin typeface="Cambria Math" panose="02040503050406030204" pitchFamily="18" charset="0"/>
-                                        </a:rPr>
-                                        <m:t>𝑖</m:t>
-                                      </m:r>
-                                    </m:sup>
-                                  </m:sSubSup>
-                                  <m:r>
-                                    <a:rPr lang="fr-FR" b="0" i="1" smtClean="0">
-                                      <a:latin typeface="Cambria Math" panose="02040503050406030204" pitchFamily="18" charset="0"/>
-                                    </a:rPr>
-                                    <m:t>≤</m:t>
-                                  </m:r>
-                                  <m:sSubSup>
-                                    <m:sSubSupPr>
-                                      <m:ctrlPr>
-                                        <a:rPr lang="fr-FR" i="1">
-                                          <a:latin typeface="Cambria Math" panose="02040503050406030204" pitchFamily="18" charset="0"/>
-                                        </a:rPr>
-                                      </m:ctrlPr>
-                                    </m:sSubSupPr>
-                                    <m:e>
-                                      <m:r>
-                                        <a:rPr lang="fr-FR" i="1">
-                                          <a:latin typeface="Cambria Math" panose="02040503050406030204" pitchFamily="18" charset="0"/>
-                                        </a:rPr>
-                                        <m:t>𝑥</m:t>
-                                      </m:r>
-                                    </m:e>
-                                    <m:sub>
-                                      <m:r>
-                                        <a:rPr lang="fr-FR" i="1">
-                                          <a:latin typeface="Cambria Math" panose="02040503050406030204" pitchFamily="18" charset="0"/>
-                                        </a:rPr>
-                                        <m:t>𝐼𝑁</m:t>
-                                      </m:r>
-                                    </m:sub>
-                                    <m:sup>
                                       <m:r>
                                         <a:rPr lang="fr-FR" b="0" i="1" smtClean="0">
                                           <a:latin typeface="Cambria Math" panose="02040503050406030204" pitchFamily="18" charset="0"/>
                                         </a:rPr>
-                                        <m:t>𝑗</m:t>
+                                        <m:t> </m:t>
                                       </m:r>
-                                    </m:sup>
-                                  </m:sSubSup>
-                                  <m:r>
-                                    <a:rPr lang="fr-FR" b="0" i="1" smtClean="0">
-                                      <a:latin typeface="Cambria Math" panose="02040503050406030204" pitchFamily="18" charset="0"/>
-                                    </a:rPr>
-                                    <m:t> </m:t>
-                                  </m:r>
-                                  <m:r>
-                                    <a:rPr lang="fr-FR" b="0" i="1" smtClean="0">
-                                      <a:latin typeface="Cambria Math" panose="02040503050406030204" pitchFamily="18" charset="0"/>
-                                    </a:rPr>
-                                    <m:t>𝑖𝑓</m:t>
-                                  </m:r>
-                                  <m:r>
-                                    <a:rPr lang="fr-FR" b="0" i="1" smtClean="0">
-                                      <a:latin typeface="Cambria Math" panose="02040503050406030204" pitchFamily="18" charset="0"/>
-                                    </a:rPr>
-                                    <m:t> </m:t>
-                                  </m:r>
-                                  <m:sSub>
-                                    <m:sSubPr>
-                                      <m:ctrlPr>
-                                        <a:rPr lang="fr-FR" b="0" i="1" smtClean="0">
-                                          <a:latin typeface="Cambria Math" panose="02040503050406030204" pitchFamily="18" charset="0"/>
-                                        </a:rPr>
-                                      </m:ctrlPr>
-                                    </m:sSubPr>
-                                    <m:e>
+                                      <m:sSub>
+                                        <m:sSubPr>
+                                          <m:ctrlPr>
+                                            <a:rPr lang="fr-FR" b="0" i="1" smtClean="0">
+                                              <a:latin typeface="Cambria Math" panose="02040503050406030204" pitchFamily="18" charset="0"/>
+                                            </a:rPr>
+                                          </m:ctrlPr>
+                                        </m:sSubPr>
+                                        <m:e>
+                                          <m:r>
+                                            <a:rPr lang="fr-FR" b="0" i="1" smtClean="0">
+                                              <a:latin typeface="Cambria Math" panose="02040503050406030204" pitchFamily="18" charset="0"/>
+                                            </a:rPr>
+                                            <m:t>𝑐</m:t>
+                                          </m:r>
+                                        </m:e>
+                                        <m:sub>
+                                          <m:r>
+                                            <a:rPr lang="fr-FR" b="0" i="1" smtClean="0">
+                                              <a:latin typeface="Cambria Math" panose="02040503050406030204" pitchFamily="18" charset="0"/>
+                                            </a:rPr>
+                                            <m:t>𝑖</m:t>
+                                          </m:r>
+                                        </m:sub>
+                                      </m:sSub>
                                       <m:r>
                                         <a:rPr lang="fr-FR" b="0" i="1" smtClean="0">
                                           <a:latin typeface="Cambria Math" panose="02040503050406030204" pitchFamily="18" charset="0"/>
                                         </a:rPr>
-                                        <m:t>𝑐</m:t>
+                                        <m:t>≥</m:t>
                                       </m:r>
+                                      <m:sSub>
+                                        <m:sSubPr>
+                                          <m:ctrlPr>
+                                            <a:rPr lang="fr-FR" b="0" i="1" smtClean="0">
+                                              <a:latin typeface="Cambria Math" panose="02040503050406030204" pitchFamily="18" charset="0"/>
+                                            </a:rPr>
+                                          </m:ctrlPr>
+                                        </m:sSubPr>
+                                        <m:e>
+                                          <m:r>
+                                            <a:rPr lang="fr-FR" b="0" i="1" smtClean="0">
+                                              <a:latin typeface="Cambria Math" panose="02040503050406030204" pitchFamily="18" charset="0"/>
+                                            </a:rPr>
+                                            <m:t>𝑐</m:t>
+                                          </m:r>
+                                        </m:e>
+                                        <m:sub>
+                                          <m:r>
+                                            <a:rPr lang="fr-FR" b="0" i="1" smtClean="0">
+                                              <a:latin typeface="Cambria Math" panose="02040503050406030204" pitchFamily="18" charset="0"/>
+                                            </a:rPr>
+                                            <m:t>𝑗</m:t>
+                                          </m:r>
+                                        </m:sub>
+                                      </m:sSub>
                                     </m:e>
-                                    <m:sub>
-                                      <m:r>
-                                        <a:rPr lang="fr-FR" b="0" i="1" smtClean="0">
-                                          <a:latin typeface="Cambria Math" panose="02040503050406030204" pitchFamily="18" charset="0"/>
-                                        </a:rPr>
-                                        <m:t>𝑖</m:t>
-                                      </m:r>
-                                    </m:sub>
-                                  </m:sSub>
-                                  <m:r>
-                                    <a:rPr lang="fr-FR" b="0" i="1" smtClean="0">
-                                      <a:latin typeface="Cambria Math" panose="02040503050406030204" pitchFamily="18" charset="0"/>
-                                    </a:rPr>
-                                    <m:t>≥</m:t>
-                                  </m:r>
-                                  <m:sSub>
-                                    <m:sSubPr>
-                                      <m:ctrlPr>
-                                        <a:rPr lang="fr-FR" b="0" i="1" smtClean="0">
-                                          <a:latin typeface="Cambria Math" panose="02040503050406030204" pitchFamily="18" charset="0"/>
-                                        </a:rPr>
-                                      </m:ctrlPr>
-                                    </m:sSubPr>
-                                    <m:e>
-                                      <m:r>
-                                        <a:rPr lang="fr-FR" b="0" i="1" smtClean="0">
-                                          <a:latin typeface="Cambria Math" panose="02040503050406030204" pitchFamily="18" charset="0"/>
-                                        </a:rPr>
-                                        <m:t>𝑐</m:t>
-                                      </m:r>
-                                    </m:e>
-                                    <m:sub>
-                                      <m:r>
-                                        <a:rPr lang="fr-FR" b="0" i="1" smtClean="0">
-                                          <a:latin typeface="Cambria Math" panose="02040503050406030204" pitchFamily="18" charset="0"/>
-                                        </a:rPr>
-                                        <m:t>𝑗</m:t>
-                                      </m:r>
-                                    </m:sub>
-                                  </m:sSub>
+                                  </m:eqArr>
                                 </m:e>
                               </m:eqArr>
                             </m:e>
@@ -4819,7 +4935,7 @@
                       <a:rPr lang="fr-FR" i="1">
                         <a:latin typeface="Cambria Math" panose="02040503050406030204" pitchFamily="18" charset="0"/>
                       </a:rPr>
-                      <m:t>𝑝</m:t>
+                      <m:t>𝑝𝑟𝑜𝑑</m:t>
                     </m:r>
                     <m:r>
                       <a:rPr lang="fr-FR" i="1">
@@ -4912,7 +5028,7 @@
                               <a:rPr lang="fr-FR" b="0" i="1" smtClean="0">
                                 <a:latin typeface="Cambria Math" panose="02040503050406030204" pitchFamily="18" charset="0"/>
                               </a:rPr>
-                              <m:t>−</m:t>
+                              <m:t>≤</m:t>
                             </m:r>
                             <m:r>
                               <a:rPr lang="fr-FR" b="0" i="1" smtClean="0">
@@ -4924,8 +5040,16 @@
                               <a:rPr lang="fr-FR" b="0" i="1" smtClean="0">
                                 <a:latin typeface="Cambria Math" panose="02040503050406030204" pitchFamily="18" charset="0"/>
                               </a:rPr>
-                              <m:t>−</m:t>
+                              <m:t>+</m:t>
                             </m:r>
+                            <m:r>
+                              <a:rPr lang="fr-FR" b="0" i="1" smtClean="0">
+                                <a:latin typeface="Cambria Math" panose="02040503050406030204" pitchFamily="18" charset="0"/>
+                              </a:rPr>
+                              <m:t>𝜌</m:t>
+                            </m:r>
+                          </m:e>
+                          <m:e>
                             <m:r>
                               <a:rPr lang="fr-FR" b="0" i="1" smtClean="0">
                                 <a:latin typeface="Cambria Math" panose="02040503050406030204" pitchFamily="18" charset="0"/>
@@ -4936,10 +5060,9 @@
                               <a:rPr lang="fr-FR" b="0" i="1" smtClean="0">
                                 <a:latin typeface="Cambria Math" panose="02040503050406030204" pitchFamily="18" charset="0"/>
                               </a:rPr>
-                              <m:t>≤0</m:t>
+                              <m:t>≥0</m:t>
                             </m:r>
                           </m:e>
-                          <m:e/>
                           <m:e/>
                         </m:eqArr>
                       </m:e>

--- a/pscopf.pptx
+++ b/pscopf.pptx
@@ -221,7 +221,7 @@
           <a:p>
             <a:fld id="{760854E3-1497-0744-B040-5DF6365302EA}" type="datetimeFigureOut">
               <a:rPr lang="fr-FR" smtClean="0"/>
-              <a:t>17/01/2022</a:t>
+              <a:t>09/12/2021</a:t>
             </a:fld>
             <a:endParaRPr lang="fr-FR"/>
           </a:p>
@@ -387,7 +387,7 @@
           <a:p>
             <a:fld id="{A1E22894-B65C-E342-8D31-57D034836A37}" type="datetimeFigureOut">
               <a:rPr lang="fr-FR" smtClean="0"/>
-              <a:t>17/01/2022</a:t>
+              <a:t>09/12/2021</a:t>
             </a:fld>
             <a:endParaRPr lang="fr-FR"/>
           </a:p>
@@ -4018,7 +4018,7 @@
             </p:spPr>
             <p:txBody>
               <a:bodyPr>
-                <a:normAutofit fontScale="62500" lnSpcReduction="20000"/>
+                <a:normAutofit fontScale="77500" lnSpcReduction="20000"/>
               </a:bodyPr>
               <a:lstStyle/>
               <a:p>
@@ -4366,215 +4366,126 @@
                           </m:mr>
                           <m:mr>
                             <m:e>
-                              <m:eqArr>
-                                <m:eqArrPr>
+                              <m:d>
+                                <m:dPr>
                                   <m:ctrlPr>
-                                    <a:rPr lang="fr-FR" i="1" smtClean="0">
+                                    <a:rPr lang="fr-FR" i="1">
                                       <a:latin typeface="Cambria Math" panose="02040503050406030204" pitchFamily="18" charset="0"/>
                                     </a:rPr>
                                   </m:ctrlPr>
-                                </m:eqArrPr>
+                                </m:dPr>
                                 <m:e>
-                                  <m:d>
-                                    <m:dPr>
-                                      <m:ctrlPr>
-                                        <a:rPr lang="fr-FR" i="1" smtClean="0">
-                                          <a:latin typeface="Cambria Math" panose="02040503050406030204" pitchFamily="18" charset="0"/>
-                                        </a:rPr>
-                                      </m:ctrlPr>
-                                    </m:dPr>
-                                    <m:e>
-                                      <m:sSub>
-                                        <m:sSubPr>
-                                          <m:ctrlPr>
-                                            <a:rPr lang="fr-FR" i="1">
-                                              <a:latin typeface="Cambria Math" panose="02040503050406030204" pitchFamily="18" charset="0"/>
-                                            </a:rPr>
-                                          </m:ctrlPr>
-                                        </m:sSubPr>
-                                        <m:e>
-                                          <m:r>
-                                            <a:rPr lang="fr-FR" i="1">
-                                              <a:latin typeface="Cambria Math" panose="02040503050406030204" pitchFamily="18" charset="0"/>
-                                            </a:rPr>
-                                            <m:t>𝑥</m:t>
-                                          </m:r>
-                                        </m:e>
-                                        <m:sub>
-                                          <m:r>
-                                            <a:rPr lang="fr-FR" i="1">
-                                              <a:latin typeface="Cambria Math" panose="02040503050406030204" pitchFamily="18" charset="0"/>
-                                            </a:rPr>
-                                            <m:t>𝐼𝑁</m:t>
-                                          </m:r>
-                                        </m:sub>
-                                      </m:sSub>
-                                    </m:e>
-                                  </m:d>
-                                  <m:r>
-                                    <a:rPr lang="fr-FR" i="1">
-                                      <a:latin typeface="Cambria Math" panose="02040503050406030204" pitchFamily="18" charset="0"/>
-                                    </a:rPr>
-                                    <m:t>⋅</m:t>
-                                  </m:r>
-                                  <m:r>
-                                    <a:rPr lang="fr-FR" i="1" smtClean="0">
-                                      <a:solidFill>
-                                        <a:schemeClr val="tx1"/>
-                                      </a:solidFill>
-                                      <a:latin typeface="Cambria Math" panose="02040503050406030204" pitchFamily="18" charset="0"/>
-                                    </a:rPr>
-                                    <m:t>𝑝𝑀𝑎𝑥</m:t>
-                                  </m:r>
-                                  <m:r>
-                                    <a:rPr lang="fr-FR" b="0" i="1" smtClean="0">
-                                      <a:solidFill>
-                                        <a:schemeClr val="tx1"/>
-                                      </a:solidFill>
-                                      <a:latin typeface="Cambria Math" panose="02040503050406030204" pitchFamily="18" charset="0"/>
-                                    </a:rPr>
-                                    <m:t>+</m:t>
-                                  </m:r>
-                                  <m:d>
-                                    <m:dPr>
-                                      <m:ctrlPr>
-                                        <a:rPr lang="fr-FR" i="1">
-                                          <a:solidFill>
-                                            <a:schemeClr val="tx1"/>
-                                          </a:solidFill>
-                                          <a:latin typeface="Cambria Math" panose="02040503050406030204" pitchFamily="18" charset="0"/>
-                                        </a:rPr>
-                                      </m:ctrlPr>
-                                    </m:dPr>
-                                    <m:e>
-                                      <m:sSub>
-                                        <m:sSubPr>
-                                          <m:ctrlPr>
-                                            <a:rPr lang="fr-FR" i="1">
-                                              <a:solidFill>
-                                                <a:schemeClr val="tx1"/>
-                                              </a:solidFill>
-                                              <a:latin typeface="Cambria Math" panose="02040503050406030204" pitchFamily="18" charset="0"/>
-                                            </a:rPr>
-                                          </m:ctrlPr>
-                                        </m:sSubPr>
-                                        <m:e>
-                                          <m:r>
-                                            <a:rPr lang="fr-FR" i="1">
-                                              <a:solidFill>
-                                                <a:schemeClr val="tx1"/>
-                                              </a:solidFill>
-                                              <a:latin typeface="Cambria Math" panose="02040503050406030204" pitchFamily="18" charset="0"/>
-                                            </a:rPr>
-                                            <m:t>𝑥</m:t>
-                                          </m:r>
-                                        </m:e>
-                                        <m:sub>
-                                          <m:r>
-                                            <a:rPr lang="fr-FR" i="1">
-                                              <a:solidFill>
-                                                <a:schemeClr val="tx1"/>
-                                              </a:solidFill>
-                                              <a:latin typeface="Cambria Math" panose="02040503050406030204" pitchFamily="18" charset="0"/>
-                                            </a:rPr>
-                                            <m:t>𝑀𝐴𝑅𝐺𝐼𝑁𝐴𝐿</m:t>
-                                          </m:r>
-                                        </m:sub>
-                                      </m:sSub>
-                                    </m:e>
-                                  </m:d>
-                                  <m:r>
-                                    <a:rPr lang="fr-FR" i="1">
-                                      <a:solidFill>
-                                        <a:schemeClr val="tx1"/>
-                                      </a:solidFill>
-                                      <a:latin typeface="Cambria Math" panose="02040503050406030204" pitchFamily="18" charset="0"/>
-                                    </a:rPr>
-                                    <m:t>⋅</m:t>
-                                  </m:r>
-                                  <m:r>
-                                    <a:rPr lang="fr-FR" i="1">
-                                      <a:solidFill>
-                                        <a:schemeClr val="tx1"/>
-                                      </a:solidFill>
-                                      <a:latin typeface="Cambria Math" panose="02040503050406030204" pitchFamily="18" charset="0"/>
-                                    </a:rPr>
-                                    <m:t>𝑝𝑀𝑖𝑛</m:t>
-                                  </m:r>
-                                  <m:r>
-                                    <a:rPr lang="fr-FR" i="1">
-                                      <a:latin typeface="Cambria Math" panose="02040503050406030204" pitchFamily="18" charset="0"/>
-                                    </a:rPr>
-                                    <m:t>≤</m:t>
-                                  </m:r>
-                                  <m:r>
-                                    <a:rPr lang="fr-FR" b="0" i="1" smtClean="0">
-                                      <a:latin typeface="Cambria Math" panose="02040503050406030204" pitchFamily="18" charset="0"/>
-                                    </a:rPr>
-                                    <m:t>𝑝𝑟𝑜𝑑</m:t>
-                                  </m:r>
-                                  <m:r>
-                                    <a:rPr lang="fr-FR" i="1">
-                                      <a:latin typeface="Cambria Math" panose="02040503050406030204" pitchFamily="18" charset="0"/>
-                                    </a:rPr>
-                                    <m:t>≤</m:t>
-                                  </m:r>
-                                  <m:d>
-                                    <m:dPr>
+                                  <m:sSub>
+                                    <m:sSubPr>
                                       <m:ctrlPr>
                                         <a:rPr lang="fr-FR" i="1">
                                           <a:latin typeface="Cambria Math" panose="02040503050406030204" pitchFamily="18" charset="0"/>
                                         </a:rPr>
                                       </m:ctrlPr>
-                                    </m:dPr>
+                                    </m:sSubPr>
                                     <m:e>
-                                      <m:sSub>
-                                        <m:sSubPr>
-                                          <m:ctrlPr>
-                                            <a:rPr lang="fr-FR" i="1">
-                                              <a:latin typeface="Cambria Math" panose="02040503050406030204" pitchFamily="18" charset="0"/>
-                                            </a:rPr>
-                                          </m:ctrlPr>
-                                        </m:sSubPr>
-                                        <m:e>
-                                          <m:r>
-                                            <a:rPr lang="fr-FR" i="1">
-                                              <a:latin typeface="Cambria Math" panose="02040503050406030204" pitchFamily="18" charset="0"/>
-                                            </a:rPr>
-                                            <m:t>1−</m:t>
-                                          </m:r>
-                                          <m:r>
-                                            <a:rPr lang="fr-FR" i="1">
-                                              <a:latin typeface="Cambria Math" panose="02040503050406030204" pitchFamily="18" charset="0"/>
-                                            </a:rPr>
-                                            <m:t>𝑥</m:t>
-                                          </m:r>
-                                        </m:e>
-                                        <m:sub>
-                                          <m:r>
-                                            <a:rPr lang="fr-FR" i="1">
-                                              <a:latin typeface="Cambria Math" panose="02040503050406030204" pitchFamily="18" charset="0"/>
-                                            </a:rPr>
-                                            <m:t>𝑂𝑈𝑇</m:t>
-                                          </m:r>
-                                        </m:sub>
-                                      </m:sSub>
+                                      <m:r>
+                                        <a:rPr lang="fr-FR" i="1">
+                                          <a:latin typeface="Cambria Math" panose="02040503050406030204" pitchFamily="18" charset="0"/>
+                                        </a:rPr>
+                                        <m:t>𝑥</m:t>
+                                      </m:r>
                                     </m:e>
-                                  </m:d>
-                                  <m:r>
+                                    <m:sub>
+                                      <m:r>
+                                        <a:rPr lang="fr-FR" i="1">
+                                          <a:latin typeface="Cambria Math" panose="02040503050406030204" pitchFamily="18" charset="0"/>
+                                        </a:rPr>
+                                        <m:t>𝐼𝑁</m:t>
+                                      </m:r>
+                                    </m:sub>
+                                  </m:sSub>
+                                </m:e>
+                              </m:d>
+                              <m:r>
+                                <a:rPr lang="fr-FR" i="1">
+                                  <a:latin typeface="Cambria Math" panose="02040503050406030204" pitchFamily="18" charset="0"/>
+                                </a:rPr>
+                                <m:t>⋅</m:t>
+                              </m:r>
+                              <m:r>
+                                <a:rPr lang="fr-FR" i="1">
+                                  <a:latin typeface="Cambria Math" panose="02040503050406030204" pitchFamily="18" charset="0"/>
+                                </a:rPr>
+                                <m:t>𝑝𝑀𝑎𝑥</m:t>
+                              </m:r>
+                              <m:r>
+                                <a:rPr lang="fr-FR" i="1">
+                                  <a:latin typeface="Cambria Math" panose="02040503050406030204" pitchFamily="18" charset="0"/>
+                                </a:rPr>
+                                <m:t>≤</m:t>
+                              </m:r>
+                              <m:r>
+                                <a:rPr lang="fr-FR" b="0" i="1" smtClean="0">
+                                  <a:latin typeface="Cambria Math" panose="02040503050406030204" pitchFamily="18" charset="0"/>
+                                </a:rPr>
+                                <m:t>𝑝𝑟𝑜𝑑</m:t>
+                              </m:r>
+                              <m:r>
+                                <a:rPr lang="fr-FR" i="1">
+                                  <a:latin typeface="Cambria Math" panose="02040503050406030204" pitchFamily="18" charset="0"/>
+                                </a:rPr>
+                                <m:t>≤</m:t>
+                              </m:r>
+                              <m:d>
+                                <m:dPr>
+                                  <m:ctrlPr>
                                     <a:rPr lang="fr-FR" i="1">
                                       <a:latin typeface="Cambria Math" panose="02040503050406030204" pitchFamily="18" charset="0"/>
                                     </a:rPr>
-                                    <m:t>⋅</m:t>
-                                  </m:r>
-                                  <m:r>
-                                    <a:rPr lang="fr-FR" i="1">
-                                      <a:latin typeface="Cambria Math" panose="02040503050406030204" pitchFamily="18" charset="0"/>
-                                    </a:rPr>
-                                    <m:t>𝑝𝑀𝑎𝑥</m:t>
-                                  </m:r>
+                                  </m:ctrlPr>
+                                </m:dPr>
+                                <m:e>
+                                  <m:sSub>
+                                    <m:sSubPr>
+                                      <m:ctrlPr>
+                                        <a:rPr lang="fr-FR" i="1">
+                                          <a:latin typeface="Cambria Math" panose="02040503050406030204" pitchFamily="18" charset="0"/>
+                                        </a:rPr>
+                                      </m:ctrlPr>
+                                    </m:sSubPr>
+                                    <m:e>
+                                      <m:r>
+                                        <a:rPr lang="fr-FR" i="1">
+                                          <a:latin typeface="Cambria Math" panose="02040503050406030204" pitchFamily="18" charset="0"/>
+                                        </a:rPr>
+                                        <m:t>1−</m:t>
+                                      </m:r>
+                                      <m:r>
+                                        <a:rPr lang="fr-FR" i="1">
+                                          <a:latin typeface="Cambria Math" panose="02040503050406030204" pitchFamily="18" charset="0"/>
+                                        </a:rPr>
+                                        <m:t>𝑥</m:t>
+                                      </m:r>
+                                    </m:e>
+                                    <m:sub>
+                                      <m:r>
+                                        <a:rPr lang="fr-FR" i="1">
+                                          <a:latin typeface="Cambria Math" panose="02040503050406030204" pitchFamily="18" charset="0"/>
+                                        </a:rPr>
+                                        <m:t>𝑂𝑈𝑇</m:t>
+                                      </m:r>
+                                    </m:sub>
+                                  </m:sSub>
                                 </m:e>
-                              </m:eqArr>
+                              </m:d>
+                              <m:r>
+                                <a:rPr lang="fr-FR" i="1">
+                                  <a:latin typeface="Cambria Math" panose="02040503050406030204" pitchFamily="18" charset="0"/>
+                                </a:rPr>
+                                <m:t>⋅</m:t>
+                              </m:r>
+                              <m:r>
+                                <a:rPr lang="fr-FR" i="1">
+                                  <a:latin typeface="Cambria Math" panose="02040503050406030204" pitchFamily="18" charset="0"/>
+                                </a:rPr>
+                                <m:t>𝑝𝑀𝑎𝑥</m:t>
+                              </m:r>
                             </m:e>
                           </m:mr>
                           <m:mr>
@@ -4588,316 +4499,289 @@
                                   </m:ctrlPr>
                                 </m:eqArrPr>
                                 <m:e>
-                                  <m:eqArr>
-                                    <m:eqArrPr>
+                                  <m:sSub>
+                                    <m:sSubPr>
                                       <m:ctrlPr>
                                         <a:rPr lang="fr-FR" i="1">
                                           <a:latin typeface="Cambria Math" panose="02040503050406030204" pitchFamily="18" charset="0"/>
                                         </a:rPr>
                                       </m:ctrlPr>
-                                    </m:eqArrPr>
+                                    </m:sSubPr>
                                     <m:e>
-                                      <m:sSub>
-                                        <m:sSubPr>
-                                          <m:ctrlPr>
-                                            <a:rPr lang="fr-FR" i="1">
-                                              <a:latin typeface="Cambria Math" panose="02040503050406030204" pitchFamily="18" charset="0"/>
-                                            </a:rPr>
-                                          </m:ctrlPr>
-                                        </m:sSubPr>
-                                        <m:e>
-                                          <m:r>
-                                            <a:rPr lang="fr-FR" i="1">
-                                              <a:latin typeface="Cambria Math" panose="02040503050406030204" pitchFamily="18" charset="0"/>
-                                            </a:rPr>
-                                            <m:t>𝑥</m:t>
-                                          </m:r>
-                                        </m:e>
-                                        <m:sub>
-                                          <m:r>
-                                            <a:rPr lang="fr-FR" i="1">
-                                              <a:latin typeface="Cambria Math" panose="02040503050406030204" pitchFamily="18" charset="0"/>
-                                            </a:rPr>
-                                            <m:t>𝐼𝑁</m:t>
-                                          </m:r>
-                                        </m:sub>
-                                      </m:sSub>
                                       <m:r>
                                         <a:rPr lang="fr-FR" i="1">
                                           <a:latin typeface="Cambria Math" panose="02040503050406030204" pitchFamily="18" charset="0"/>
                                         </a:rPr>
-                                        <m:t>+</m:t>
+                                        <m:t>𝑥</m:t>
                                       </m:r>
-                                      <m:sSub>
-                                        <m:sSubPr>
-                                          <m:ctrlPr>
-                                            <a:rPr lang="fr-FR" i="1">
-                                              <a:latin typeface="Cambria Math" panose="02040503050406030204" pitchFamily="18" charset="0"/>
-                                            </a:rPr>
-                                          </m:ctrlPr>
-                                        </m:sSubPr>
-                                        <m:e>
-                                          <m:r>
-                                            <a:rPr lang="fr-FR" i="1">
-                                              <a:latin typeface="Cambria Math" panose="02040503050406030204" pitchFamily="18" charset="0"/>
-                                            </a:rPr>
-                                            <m:t>𝑥</m:t>
-                                          </m:r>
-                                        </m:e>
-                                        <m:sub>
-                                          <m:r>
-                                            <a:rPr lang="fr-FR" i="1">
-                                              <a:latin typeface="Cambria Math" panose="02040503050406030204" pitchFamily="18" charset="0"/>
-                                            </a:rPr>
-                                            <m:t>𝑀𝐴𝑅𝐺𝐼𝑁𝐴𝐿</m:t>
-                                          </m:r>
-                                        </m:sub>
-                                      </m:sSub>
+                                    </m:e>
+                                    <m:sub>
                                       <m:r>
                                         <a:rPr lang="fr-FR" i="1">
                                           <a:latin typeface="Cambria Math" panose="02040503050406030204" pitchFamily="18" charset="0"/>
                                         </a:rPr>
-                                        <m:t>+</m:t>
+                                        <m:t>𝐼𝑁</m:t>
                                       </m:r>
-                                      <m:sSub>
-                                        <m:sSubPr>
-                                          <m:ctrlPr>
-                                            <a:rPr lang="fr-FR" i="1">
-                                              <a:latin typeface="Cambria Math" panose="02040503050406030204" pitchFamily="18" charset="0"/>
-                                            </a:rPr>
-                                          </m:ctrlPr>
-                                        </m:sSubPr>
-                                        <m:e>
-                                          <m:r>
-                                            <a:rPr lang="fr-FR" i="1">
-                                              <a:latin typeface="Cambria Math" panose="02040503050406030204" pitchFamily="18" charset="0"/>
-                                            </a:rPr>
-                                            <m:t>𝑥</m:t>
-                                          </m:r>
-                                        </m:e>
-                                        <m:sub>
-                                          <m:r>
-                                            <a:rPr lang="fr-FR" i="1">
-                                              <a:latin typeface="Cambria Math" panose="02040503050406030204" pitchFamily="18" charset="0"/>
-                                            </a:rPr>
-                                            <m:t>𝑂𝑈𝑇</m:t>
-                                          </m:r>
-                                        </m:sub>
-                                      </m:sSub>
+                                    </m:sub>
+                                  </m:sSub>
+                                  <m:r>
+                                    <a:rPr lang="fr-FR" i="1">
+                                      <a:latin typeface="Cambria Math" panose="02040503050406030204" pitchFamily="18" charset="0"/>
+                                    </a:rPr>
+                                    <m:t>+</m:t>
+                                  </m:r>
+                                  <m:sSub>
+                                    <m:sSubPr>
+                                      <m:ctrlPr>
+                                        <a:rPr lang="fr-FR" i="1">
+                                          <a:latin typeface="Cambria Math" panose="02040503050406030204" pitchFamily="18" charset="0"/>
+                                        </a:rPr>
+                                      </m:ctrlPr>
+                                    </m:sSubPr>
+                                    <m:e>
                                       <m:r>
                                         <a:rPr lang="fr-FR" i="1">
                                           <a:latin typeface="Cambria Math" panose="02040503050406030204" pitchFamily="18" charset="0"/>
                                         </a:rPr>
-                                        <m:t>=1</m:t>
+                                        <m:t>𝑥</m:t>
                                       </m:r>
                                     </m:e>
-                                    <m:e>
-                                      <m:nary>
-                                        <m:naryPr>
-                                          <m:chr m:val="∑"/>
-                                          <m:subHide m:val="on"/>
-                                          <m:supHide m:val="on"/>
-                                          <m:ctrlPr>
-                                            <a:rPr lang="fr-FR" i="1">
-                                              <a:latin typeface="Cambria Math" panose="02040503050406030204" pitchFamily="18" charset="0"/>
-                                            </a:rPr>
-                                          </m:ctrlPr>
-                                        </m:naryPr>
-                                        <m:sub/>
-                                        <m:sup/>
-                                        <m:e>
-                                          <m:r>
-                                            <a:rPr lang="fr-FR" i="1">
-                                              <a:latin typeface="Cambria Math" panose="02040503050406030204" pitchFamily="18" charset="0"/>
-                                            </a:rPr>
-                                            <m:t>𝑝</m:t>
-                                          </m:r>
-                                          <m:r>
-                                            <a:rPr lang="fr-FR" b="0" i="1" smtClean="0">
-                                              <a:latin typeface="Cambria Math" panose="02040503050406030204" pitchFamily="18" charset="0"/>
-                                            </a:rPr>
-                                            <m:t>𝑟𝑜𝑑</m:t>
-                                          </m:r>
-                                        </m:e>
-                                      </m:nary>
+                                    <m:sub>
                                       <m:r>
-                                        <a:rPr lang="fr-FR" b="0" i="1" smtClean="0">
+                                        <a:rPr lang="fr-FR" i="1">
                                           <a:latin typeface="Cambria Math" panose="02040503050406030204" pitchFamily="18" charset="0"/>
                                         </a:rPr>
-                                        <m:t>≥</m:t>
+                                        <m:t>𝑀𝐴𝑅𝐺𝐼𝑁𝐴𝐿</m:t>
                                       </m:r>
-                                      <m:nary>
-                                        <m:naryPr>
-                                          <m:chr m:val="∑"/>
-                                          <m:subHide m:val="on"/>
-                                          <m:supHide m:val="on"/>
-                                          <m:ctrlPr>
-                                            <a:rPr lang="fr-FR" b="0" i="1" smtClean="0">
-                                              <a:latin typeface="Cambria Math" panose="02040503050406030204" pitchFamily="18" charset="0"/>
-                                            </a:rPr>
-                                          </m:ctrlPr>
-                                        </m:naryPr>
-                                        <m:sub/>
-                                        <m:sup/>
-                                        <m:e>
-                                          <m:r>
-                                            <a:rPr lang="fr-FR" b="0" i="1" smtClean="0">
-                                              <a:latin typeface="Cambria Math" panose="02040503050406030204" pitchFamily="18" charset="0"/>
-                                            </a:rPr>
-                                            <m:t>𝑢</m:t>
-                                          </m:r>
-                                        </m:e>
-                                      </m:nary>
-                                    </m:e>
-                                    <m:e>
-                                      <m:sSubSup>
-                                        <m:sSubSupPr>
-                                          <m:ctrlPr>
-                                            <a:rPr lang="fr-FR" i="1">
-                                              <a:latin typeface="Cambria Math" panose="02040503050406030204" pitchFamily="18" charset="0"/>
-                                            </a:rPr>
-                                          </m:ctrlPr>
-                                        </m:sSubSupPr>
-                                        <m:e>
-                                          <m:r>
-                                            <a:rPr lang="fr-FR" i="1">
-                                              <a:latin typeface="Cambria Math" panose="02040503050406030204" pitchFamily="18" charset="0"/>
-                                            </a:rPr>
-                                            <m:t>𝑥</m:t>
-                                          </m:r>
-                                        </m:e>
-                                        <m:sub>
-                                          <m:r>
-                                            <a:rPr lang="fr-FR" i="1">
-                                              <a:latin typeface="Cambria Math" panose="02040503050406030204" pitchFamily="18" charset="0"/>
-                                            </a:rPr>
-                                            <m:t>𝐼𝑁</m:t>
-                                          </m:r>
-                                        </m:sub>
-                                        <m:sup>
-                                          <m:r>
-                                            <a:rPr lang="fr-FR" i="1">
-                                              <a:latin typeface="Cambria Math" panose="02040503050406030204" pitchFamily="18" charset="0"/>
-                                            </a:rPr>
-                                            <m:t>𝑖</m:t>
-                                          </m:r>
-                                        </m:sup>
-                                      </m:sSubSup>
-                                      <m:r>
-                                        <a:rPr lang="fr-FR" b="0" i="1" smtClean="0">
+                                    </m:sub>
+                                  </m:sSub>
+                                  <m:r>
+                                    <a:rPr lang="fr-FR" i="1">
+                                      <a:latin typeface="Cambria Math" panose="02040503050406030204" pitchFamily="18" charset="0"/>
+                                    </a:rPr>
+                                    <m:t>+</m:t>
+                                  </m:r>
+                                  <m:sSub>
+                                    <m:sSubPr>
+                                      <m:ctrlPr>
+                                        <a:rPr lang="fr-FR" i="1">
                                           <a:latin typeface="Cambria Math" panose="02040503050406030204" pitchFamily="18" charset="0"/>
                                         </a:rPr>
-                                        <m:t>≤</m:t>
-                                      </m:r>
-                                      <m:sSubSup>
-                                        <m:sSubSupPr>
-                                          <m:ctrlPr>
-                                            <a:rPr lang="fr-FR" i="1">
-                                              <a:latin typeface="Cambria Math" panose="02040503050406030204" pitchFamily="18" charset="0"/>
-                                            </a:rPr>
-                                          </m:ctrlPr>
-                                        </m:sSubSupPr>
-                                        <m:e>
-                                          <m:r>
-                                            <a:rPr lang="fr-FR" i="1">
-                                              <a:latin typeface="Cambria Math" panose="02040503050406030204" pitchFamily="18" charset="0"/>
-                                            </a:rPr>
-                                            <m:t>𝑥</m:t>
-                                          </m:r>
-                                        </m:e>
-                                        <m:sub>
-                                          <m:r>
-                                            <a:rPr lang="fr-FR" i="1">
-                                              <a:latin typeface="Cambria Math" panose="02040503050406030204" pitchFamily="18" charset="0"/>
-                                            </a:rPr>
-                                            <m:t>𝐼𝑁</m:t>
-                                          </m:r>
-                                        </m:sub>
-                                        <m:sup>
-                                          <m:r>
-                                            <a:rPr lang="fr-FR" b="0" i="1" smtClean="0">
-                                              <a:latin typeface="Cambria Math" panose="02040503050406030204" pitchFamily="18" charset="0"/>
-                                            </a:rPr>
-                                            <m:t>𝑗</m:t>
-                                          </m:r>
-                                        </m:sup>
-                                      </m:sSubSup>
+                                      </m:ctrlPr>
+                                    </m:sSubPr>
+                                    <m:e>
                                       <m:r>
-                                        <a:rPr lang="fr-FR" b="0" i="1" smtClean="0">
+                                        <a:rPr lang="fr-FR" i="1">
                                           <a:latin typeface="Cambria Math" panose="02040503050406030204" pitchFamily="18" charset="0"/>
                                         </a:rPr>
-                                        <m:t> </m:t>
+                                        <m:t>𝑥</m:t>
+                                      </m:r>
+                                    </m:e>
+                                    <m:sub>
+                                      <m:r>
+                                        <a:rPr lang="fr-FR" i="1">
+                                          <a:latin typeface="Cambria Math" panose="02040503050406030204" pitchFamily="18" charset="0"/>
+                                        </a:rPr>
+                                        <m:t>𝑂𝑈𝑇</m:t>
+                                      </m:r>
+                                    </m:sub>
+                                  </m:sSub>
+                                  <m:r>
+                                    <a:rPr lang="fr-FR" i="1">
+                                      <a:latin typeface="Cambria Math" panose="02040503050406030204" pitchFamily="18" charset="0"/>
+                                    </a:rPr>
+                                    <m:t>=1</m:t>
+                                  </m:r>
+                                </m:e>
+                                <m:e>
+                                  <m:nary>
+                                    <m:naryPr>
+                                      <m:chr m:val="∑"/>
+                                      <m:subHide m:val="on"/>
+                                      <m:supHide m:val="on"/>
+                                      <m:ctrlPr>
+                                        <a:rPr lang="fr-FR" i="1">
+                                          <a:latin typeface="Cambria Math" panose="02040503050406030204" pitchFamily="18" charset="0"/>
+                                        </a:rPr>
+                                      </m:ctrlPr>
+                                    </m:naryPr>
+                                    <m:sub/>
+                                    <m:sup/>
+                                    <m:e>
+                                      <m:r>
+                                        <a:rPr lang="fr-FR" i="1">
+                                          <a:latin typeface="Cambria Math" panose="02040503050406030204" pitchFamily="18" charset="0"/>
+                                        </a:rPr>
+                                        <m:t>𝑝</m:t>
                                       </m:r>
                                       <m:r>
                                         <a:rPr lang="fr-FR" b="0" i="1" smtClean="0">
                                           <a:latin typeface="Cambria Math" panose="02040503050406030204" pitchFamily="18" charset="0"/>
                                         </a:rPr>
-                                        <m:t>𝑖𝑓</m:t>
+                                        <m:t>𝑟𝑜𝑑</m:t>
                                       </m:r>
+                                    </m:e>
+                                  </m:nary>
+                                  <m:r>
+                                    <a:rPr lang="fr-FR" i="1">
+                                      <a:latin typeface="Cambria Math" panose="02040503050406030204" pitchFamily="18" charset="0"/>
+                                    </a:rPr>
+                                    <m:t>=</m:t>
+                                  </m:r>
+                                  <m:r>
+                                    <a:rPr lang="fr-FR" i="1">
+                                      <a:latin typeface="Cambria Math" panose="02040503050406030204" pitchFamily="18" charset="0"/>
+                                    </a:rPr>
+                                    <m:t>𝑢</m:t>
+                                  </m:r>
+                                </m:e>
+                                <m:e>
+                                  <m:sSubSup>
+                                    <m:sSubSupPr>
+                                      <m:ctrlPr>
+                                        <a:rPr lang="fr-FR" i="1">
+                                          <a:latin typeface="Cambria Math" panose="02040503050406030204" pitchFamily="18" charset="0"/>
+                                        </a:rPr>
+                                      </m:ctrlPr>
+                                    </m:sSubSupPr>
+                                    <m:e>
+                                      <m:r>
+                                        <a:rPr lang="fr-FR" i="1">
+                                          <a:latin typeface="Cambria Math" panose="02040503050406030204" pitchFamily="18" charset="0"/>
+                                        </a:rPr>
+                                        <m:t>𝑥</m:t>
+                                      </m:r>
+                                    </m:e>
+                                    <m:sub>
+                                      <m:r>
+                                        <a:rPr lang="fr-FR" i="1">
+                                          <a:latin typeface="Cambria Math" panose="02040503050406030204" pitchFamily="18" charset="0"/>
+                                        </a:rPr>
+                                        <m:t>𝐼𝑁</m:t>
+                                      </m:r>
+                                    </m:sub>
+                                    <m:sup>
+                                      <m:r>
+                                        <a:rPr lang="fr-FR" i="1">
+                                          <a:latin typeface="Cambria Math" panose="02040503050406030204" pitchFamily="18" charset="0"/>
+                                        </a:rPr>
+                                        <m:t>𝑖</m:t>
+                                      </m:r>
+                                    </m:sup>
+                                  </m:sSubSup>
+                                  <m:r>
+                                    <a:rPr lang="fr-FR" b="0" i="1" smtClean="0">
+                                      <a:latin typeface="Cambria Math" panose="02040503050406030204" pitchFamily="18" charset="0"/>
+                                    </a:rPr>
+                                    <m:t>≤</m:t>
+                                  </m:r>
+                                  <m:sSubSup>
+                                    <m:sSubSupPr>
+                                      <m:ctrlPr>
+                                        <a:rPr lang="fr-FR" i="1">
+                                          <a:latin typeface="Cambria Math" panose="02040503050406030204" pitchFamily="18" charset="0"/>
+                                        </a:rPr>
+                                      </m:ctrlPr>
+                                    </m:sSubSupPr>
+                                    <m:e>
+                                      <m:r>
+                                        <a:rPr lang="fr-FR" i="1">
+                                          <a:latin typeface="Cambria Math" panose="02040503050406030204" pitchFamily="18" charset="0"/>
+                                        </a:rPr>
+                                        <m:t>𝑥</m:t>
+                                      </m:r>
+                                    </m:e>
+                                    <m:sub>
+                                      <m:r>
+                                        <a:rPr lang="fr-FR" i="1">
+                                          <a:latin typeface="Cambria Math" panose="02040503050406030204" pitchFamily="18" charset="0"/>
+                                        </a:rPr>
+                                        <m:t>𝐼𝑁</m:t>
+                                      </m:r>
+                                    </m:sub>
+                                    <m:sup>
                                       <m:r>
                                         <a:rPr lang="fr-FR" b="0" i="1" smtClean="0">
                                           <a:latin typeface="Cambria Math" panose="02040503050406030204" pitchFamily="18" charset="0"/>
                                         </a:rPr>
-                                        <m:t> </m:t>
+                                        <m:t>𝑗</m:t>
                                       </m:r>
-                                      <m:sSub>
-                                        <m:sSubPr>
-                                          <m:ctrlPr>
-                                            <a:rPr lang="fr-FR" b="0" i="1" smtClean="0">
-                                              <a:latin typeface="Cambria Math" panose="02040503050406030204" pitchFamily="18" charset="0"/>
-                                            </a:rPr>
-                                          </m:ctrlPr>
-                                        </m:sSubPr>
-                                        <m:e>
-                                          <m:r>
-                                            <a:rPr lang="fr-FR" b="0" i="1" smtClean="0">
-                                              <a:latin typeface="Cambria Math" panose="02040503050406030204" pitchFamily="18" charset="0"/>
-                                            </a:rPr>
-                                            <m:t>𝑐</m:t>
-                                          </m:r>
-                                        </m:e>
-                                        <m:sub>
-                                          <m:r>
-                                            <a:rPr lang="fr-FR" b="0" i="1" smtClean="0">
-                                              <a:latin typeface="Cambria Math" panose="02040503050406030204" pitchFamily="18" charset="0"/>
-                                            </a:rPr>
-                                            <m:t>𝑖</m:t>
-                                          </m:r>
-                                        </m:sub>
-                                      </m:sSub>
+                                    </m:sup>
+                                  </m:sSubSup>
+                                  <m:r>
+                                    <a:rPr lang="fr-FR" b="0" i="1" smtClean="0">
+                                      <a:latin typeface="Cambria Math" panose="02040503050406030204" pitchFamily="18" charset="0"/>
+                                    </a:rPr>
+                                    <m:t> </m:t>
+                                  </m:r>
+                                  <m:r>
+                                    <a:rPr lang="fr-FR" b="0" i="1" smtClean="0">
+                                      <a:latin typeface="Cambria Math" panose="02040503050406030204" pitchFamily="18" charset="0"/>
+                                    </a:rPr>
+                                    <m:t>𝑖𝑓</m:t>
+                                  </m:r>
+                                  <m:r>
+                                    <a:rPr lang="fr-FR" b="0" i="1" smtClean="0">
+                                      <a:latin typeface="Cambria Math" panose="02040503050406030204" pitchFamily="18" charset="0"/>
+                                    </a:rPr>
+                                    <m:t> </m:t>
+                                  </m:r>
+                                  <m:sSub>
+                                    <m:sSubPr>
+                                      <m:ctrlPr>
+                                        <a:rPr lang="fr-FR" b="0" i="1" smtClean="0">
+                                          <a:latin typeface="Cambria Math" panose="02040503050406030204" pitchFamily="18" charset="0"/>
+                                        </a:rPr>
+                                      </m:ctrlPr>
+                                    </m:sSubPr>
+                                    <m:e>
                                       <m:r>
                                         <a:rPr lang="fr-FR" b="0" i="1" smtClean="0">
                                           <a:latin typeface="Cambria Math" panose="02040503050406030204" pitchFamily="18" charset="0"/>
                                         </a:rPr>
-                                        <m:t>≥</m:t>
+                                        <m:t>𝑐</m:t>
                                       </m:r>
-                                      <m:sSub>
-                                        <m:sSubPr>
-                                          <m:ctrlPr>
-                                            <a:rPr lang="fr-FR" b="0" i="1" smtClean="0">
-                                              <a:latin typeface="Cambria Math" panose="02040503050406030204" pitchFamily="18" charset="0"/>
-                                            </a:rPr>
-                                          </m:ctrlPr>
-                                        </m:sSubPr>
-                                        <m:e>
-                                          <m:r>
-                                            <a:rPr lang="fr-FR" b="0" i="1" smtClean="0">
-                                              <a:latin typeface="Cambria Math" panose="02040503050406030204" pitchFamily="18" charset="0"/>
-                                            </a:rPr>
-                                            <m:t>𝑐</m:t>
-                                          </m:r>
-                                        </m:e>
-                                        <m:sub>
-                                          <m:r>
-                                            <a:rPr lang="fr-FR" b="0" i="1" smtClean="0">
-                                              <a:latin typeface="Cambria Math" panose="02040503050406030204" pitchFamily="18" charset="0"/>
-                                            </a:rPr>
-                                            <m:t>𝑗</m:t>
-                                          </m:r>
-                                        </m:sub>
-                                      </m:sSub>
                                     </m:e>
-                                  </m:eqArr>
+                                    <m:sub>
+                                      <m:r>
+                                        <a:rPr lang="fr-FR" b="0" i="1" smtClean="0">
+                                          <a:latin typeface="Cambria Math" panose="02040503050406030204" pitchFamily="18" charset="0"/>
+                                        </a:rPr>
+                                        <m:t>𝑖</m:t>
+                                      </m:r>
+                                    </m:sub>
+                                  </m:sSub>
+                                  <m:r>
+                                    <a:rPr lang="fr-FR" b="0" i="1" smtClean="0">
+                                      <a:latin typeface="Cambria Math" panose="02040503050406030204" pitchFamily="18" charset="0"/>
+                                    </a:rPr>
+                                    <m:t>≥</m:t>
+                                  </m:r>
+                                  <m:sSub>
+                                    <m:sSubPr>
+                                      <m:ctrlPr>
+                                        <a:rPr lang="fr-FR" b="0" i="1" smtClean="0">
+                                          <a:latin typeface="Cambria Math" panose="02040503050406030204" pitchFamily="18" charset="0"/>
+                                        </a:rPr>
+                                      </m:ctrlPr>
+                                    </m:sSubPr>
+                                    <m:e>
+                                      <m:r>
+                                        <a:rPr lang="fr-FR" b="0" i="1" smtClean="0">
+                                          <a:latin typeface="Cambria Math" panose="02040503050406030204" pitchFamily="18" charset="0"/>
+                                        </a:rPr>
+                                        <m:t>𝑐</m:t>
+                                      </m:r>
+                                    </m:e>
+                                    <m:sub>
+                                      <m:r>
+                                        <a:rPr lang="fr-FR" b="0" i="1" smtClean="0">
+                                          <a:latin typeface="Cambria Math" panose="02040503050406030204" pitchFamily="18" charset="0"/>
+                                        </a:rPr>
+                                        <m:t>𝑗</m:t>
+                                      </m:r>
+                                    </m:sub>
+                                  </m:sSub>
                                 </m:e>
                               </m:eqArr>
                             </m:e>
@@ -4935,7 +4819,7 @@
                       <a:rPr lang="fr-FR" i="1">
                         <a:latin typeface="Cambria Math" panose="02040503050406030204" pitchFamily="18" charset="0"/>
                       </a:rPr>
-                      <m:t>𝑝𝑟𝑜𝑑</m:t>
+                      <m:t>𝑝</m:t>
                     </m:r>
                     <m:r>
                       <a:rPr lang="fr-FR" i="1">
@@ -5028,7 +4912,7 @@
                               <a:rPr lang="fr-FR" b="0" i="1" smtClean="0">
                                 <a:latin typeface="Cambria Math" panose="02040503050406030204" pitchFamily="18" charset="0"/>
                               </a:rPr>
-                              <m:t>≤</m:t>
+                              <m:t>−</m:t>
                             </m:r>
                             <m:r>
                               <a:rPr lang="fr-FR" b="0" i="1" smtClean="0">
@@ -5040,16 +4924,8 @@
                               <a:rPr lang="fr-FR" b="0" i="1" smtClean="0">
                                 <a:latin typeface="Cambria Math" panose="02040503050406030204" pitchFamily="18" charset="0"/>
                               </a:rPr>
-                              <m:t>+</m:t>
+                              <m:t>−</m:t>
                             </m:r>
-                            <m:r>
-                              <a:rPr lang="fr-FR" b="0" i="1" smtClean="0">
-                                <a:latin typeface="Cambria Math" panose="02040503050406030204" pitchFamily="18" charset="0"/>
-                              </a:rPr>
-                              <m:t>𝜌</m:t>
-                            </m:r>
-                          </m:e>
-                          <m:e>
                             <m:r>
                               <a:rPr lang="fr-FR" b="0" i="1" smtClean="0">
                                 <a:latin typeface="Cambria Math" panose="02040503050406030204" pitchFamily="18" charset="0"/>
@@ -5060,9 +4936,10 @@
                               <a:rPr lang="fr-FR" b="0" i="1" smtClean="0">
                                 <a:latin typeface="Cambria Math" panose="02040503050406030204" pitchFamily="18" charset="0"/>
                               </a:rPr>
-                              <m:t>≥0</m:t>
+                              <m:t>≤0</m:t>
                             </m:r>
                           </m:e>
+                          <m:e/>
                           <m:e/>
                         </m:eqArr>
                       </m:e>
